--- a/فازی/erae-fazi.pptx
+++ b/فازی/erae-fazi.pptx
@@ -141,6 +141,9 @@
         </p14:section>
       </p14:sectionLst>
     </p:ext>
+    <p:ext uri="{EFAFB233-063F-42B5-8137-9DF3F51BA10A}">
+      <p15:sldGuideLst xmlns:p15="http://schemas.microsoft.com/office/powerpoint/2012/main"/>
+    </p:ext>
   </p:extLst>
 </p:presentation>
 </file>
@@ -336,7 +339,7 @@
           <a:p>
             <a:fld id="{544E5251-C9F1-43FA-8089-0D0D8A3D1DFB}" type="datetimeFigureOut">
               <a:rPr lang="en-US" smtClean="0"/>
-              <a:t>2023-12-25</a:t>
+              <a:t>2023-12-28</a:t>
             </a:fld>
             <a:endParaRPr lang="en-US"/>
           </a:p>
@@ -772,7 +775,7 @@
           <a:p>
             <a:fld id="{544E5251-C9F1-43FA-8089-0D0D8A3D1DFB}" type="datetimeFigureOut">
               <a:rPr lang="en-US" smtClean="0"/>
-              <a:t>2023-12-25</a:t>
+              <a:t>2023-12-28</a:t>
             </a:fld>
             <a:endParaRPr lang="en-US"/>
           </a:p>
@@ -1022,7 +1025,7 @@
           <a:p>
             <a:fld id="{544E5251-C9F1-43FA-8089-0D0D8A3D1DFB}" type="datetimeFigureOut">
               <a:rPr lang="en-US" smtClean="0"/>
-              <a:t>2023-12-25</a:t>
+              <a:t>2023-12-28</a:t>
             </a:fld>
             <a:endParaRPr lang="en-US"/>
           </a:p>
@@ -1330,7 +1333,7 @@
           <a:p>
             <a:fld id="{544E5251-C9F1-43FA-8089-0D0D8A3D1DFB}" type="datetimeFigureOut">
               <a:rPr lang="en-US" smtClean="0"/>
-              <a:t>2023-12-25</a:t>
+              <a:t>2023-12-28</a:t>
             </a:fld>
             <a:endParaRPr lang="en-US"/>
           </a:p>
@@ -1648,7 +1651,7 @@
           <a:p>
             <a:fld id="{544E5251-C9F1-43FA-8089-0D0D8A3D1DFB}" type="datetimeFigureOut">
               <a:rPr lang="en-US" smtClean="0"/>
-              <a:t>2023-12-25</a:t>
+              <a:t>2023-12-28</a:t>
             </a:fld>
             <a:endParaRPr lang="en-US"/>
           </a:p>
@@ -1950,7 +1953,7 @@
           <a:p>
             <a:fld id="{544E5251-C9F1-43FA-8089-0D0D8A3D1DFB}" type="datetimeFigureOut">
               <a:rPr lang="en-US" smtClean="0"/>
-              <a:t>2023-12-25</a:t>
+              <a:t>2023-12-28</a:t>
             </a:fld>
             <a:endParaRPr lang="en-US"/>
           </a:p>
@@ -2317,7 +2320,7 @@
           <a:p>
             <a:fld id="{544E5251-C9F1-43FA-8089-0D0D8A3D1DFB}" type="datetimeFigureOut">
               <a:rPr lang="en-US" smtClean="0"/>
-              <a:t>2023-12-25</a:t>
+              <a:t>2023-12-28</a:t>
             </a:fld>
             <a:endParaRPr lang="en-US"/>
           </a:p>
@@ -2491,7 +2494,7 @@
           <a:p>
             <a:fld id="{544E5251-C9F1-43FA-8089-0D0D8A3D1DFB}" type="datetimeFigureOut">
               <a:rPr lang="en-US" smtClean="0"/>
-              <a:t>2023-12-25</a:t>
+              <a:t>2023-12-28</a:t>
             </a:fld>
             <a:endParaRPr lang="en-US"/>
           </a:p>
@@ -2671,7 +2674,7 @@
           <a:p>
             <a:fld id="{544E5251-C9F1-43FA-8089-0D0D8A3D1DFB}" type="datetimeFigureOut">
               <a:rPr lang="en-US" smtClean="0"/>
-              <a:t>2023-12-25</a:t>
+              <a:t>2023-12-28</a:t>
             </a:fld>
             <a:endParaRPr lang="en-US"/>
           </a:p>
@@ -2841,7 +2844,7 @@
           <a:p>
             <a:fld id="{544E5251-C9F1-43FA-8089-0D0D8A3D1DFB}" type="datetimeFigureOut">
               <a:rPr lang="en-US" smtClean="0"/>
-              <a:t>2023-12-25</a:t>
+              <a:t>2023-12-28</a:t>
             </a:fld>
             <a:endParaRPr lang="en-US"/>
           </a:p>
@@ -3091,7 +3094,7 @@
           <a:p>
             <a:fld id="{544E5251-C9F1-43FA-8089-0D0D8A3D1DFB}" type="datetimeFigureOut">
               <a:rPr lang="en-US" smtClean="0"/>
-              <a:t>2023-12-25</a:t>
+              <a:t>2023-12-28</a:t>
             </a:fld>
             <a:endParaRPr lang="en-US"/>
           </a:p>
@@ -3327,7 +3330,7 @@
           <a:p>
             <a:fld id="{544E5251-C9F1-43FA-8089-0D0D8A3D1DFB}" type="datetimeFigureOut">
               <a:rPr lang="en-US" smtClean="0"/>
-              <a:t>2023-12-25</a:t>
+              <a:t>2023-12-28</a:t>
             </a:fld>
             <a:endParaRPr lang="en-US"/>
           </a:p>
@@ -3709,7 +3712,7 @@
           <a:p>
             <a:fld id="{544E5251-C9F1-43FA-8089-0D0D8A3D1DFB}" type="datetimeFigureOut">
               <a:rPr lang="en-US" smtClean="0"/>
-              <a:t>2023-12-25</a:t>
+              <a:t>2023-12-28</a:t>
             </a:fld>
             <a:endParaRPr lang="en-US"/>
           </a:p>
@@ -3827,7 +3830,7 @@
           <a:p>
             <a:fld id="{544E5251-C9F1-43FA-8089-0D0D8A3D1DFB}" type="datetimeFigureOut">
               <a:rPr lang="en-US" smtClean="0"/>
-              <a:t>2023-12-25</a:t>
+              <a:t>2023-12-28</a:t>
             </a:fld>
             <a:endParaRPr lang="en-US"/>
           </a:p>
@@ -3922,7 +3925,7 @@
           <a:p>
             <a:fld id="{544E5251-C9F1-43FA-8089-0D0D8A3D1DFB}" type="datetimeFigureOut">
               <a:rPr lang="en-US" smtClean="0"/>
-              <a:t>2023-12-25</a:t>
+              <a:t>2023-12-28</a:t>
             </a:fld>
             <a:endParaRPr lang="en-US"/>
           </a:p>
@@ -4177,7 +4180,7 @@
           <a:p>
             <a:fld id="{544E5251-C9F1-43FA-8089-0D0D8A3D1DFB}" type="datetimeFigureOut">
               <a:rPr lang="en-US" smtClean="0"/>
-              <a:t>2023-12-25</a:t>
+              <a:t>2023-12-28</a:t>
             </a:fld>
             <a:endParaRPr lang="en-US"/>
           </a:p>
@@ -4460,7 +4463,7 @@
           <a:p>
             <a:fld id="{544E5251-C9F1-43FA-8089-0D0D8A3D1DFB}" type="datetimeFigureOut">
               <a:rPr lang="en-US" smtClean="0"/>
-              <a:t>2023-12-25</a:t>
+              <a:t>2023-12-28</a:t>
             </a:fld>
             <a:endParaRPr lang="en-US"/>
           </a:p>
@@ -4866,7 +4869,7 @@
           <a:p>
             <a:fld id="{544E5251-C9F1-43FA-8089-0D0D8A3D1DFB}" type="datetimeFigureOut">
               <a:rPr lang="en-US" smtClean="0"/>
-              <a:t>2023-12-25</a:t>
+              <a:t>2023-12-28</a:t>
             </a:fld>
             <a:endParaRPr lang="en-US"/>
           </a:p>

--- a/فازی/erae-fazi.pptx
+++ b/فازی/erae-fazi.pptx
@@ -8,16 +8,18 @@
     <p:sldId id="256" r:id="rId2"/>
     <p:sldId id="257" r:id="rId3"/>
     <p:sldId id="258" r:id="rId4"/>
-    <p:sldId id="259" r:id="rId5"/>
-    <p:sldId id="260" r:id="rId6"/>
-    <p:sldId id="261" r:id="rId7"/>
-    <p:sldId id="262" r:id="rId8"/>
-    <p:sldId id="263" r:id="rId9"/>
-    <p:sldId id="264" r:id="rId10"/>
-    <p:sldId id="265" r:id="rId11"/>
-    <p:sldId id="266" r:id="rId12"/>
-    <p:sldId id="267" r:id="rId13"/>
-    <p:sldId id="268" r:id="rId14"/>
+    <p:sldId id="270" r:id="rId5"/>
+    <p:sldId id="259" r:id="rId6"/>
+    <p:sldId id="260" r:id="rId7"/>
+    <p:sldId id="261" r:id="rId8"/>
+    <p:sldId id="262" r:id="rId9"/>
+    <p:sldId id="263" r:id="rId10"/>
+    <p:sldId id="269" r:id="rId11"/>
+    <p:sldId id="264" r:id="rId12"/>
+    <p:sldId id="265" r:id="rId13"/>
+    <p:sldId id="266" r:id="rId14"/>
+    <p:sldId id="267" r:id="rId15"/>
+    <p:sldId id="268" r:id="rId16"/>
   </p:sldIdLst>
   <p:sldSz cx="12192000" cy="6858000"/>
   <p:notesSz cx="6858000" cy="9144000"/>
@@ -124,11 +126,13 @@
             <p14:sldId id="256"/>
             <p14:sldId id="257"/>
             <p14:sldId id="258"/>
+            <p14:sldId id="270"/>
             <p14:sldId id="259"/>
             <p14:sldId id="260"/>
             <p14:sldId id="261"/>
             <p14:sldId id="262"/>
             <p14:sldId id="263"/>
+            <p14:sldId id="269"/>
             <p14:sldId id="264"/>
             <p14:sldId id="265"/>
             <p14:sldId id="266"/>
@@ -339,7 +343,7 @@
           <a:p>
             <a:fld id="{544E5251-C9F1-43FA-8089-0D0D8A3D1DFB}" type="datetimeFigureOut">
               <a:rPr lang="en-US" smtClean="0"/>
-              <a:t>2023-12-28</a:t>
+              <a:t>2023-12-29</a:t>
             </a:fld>
             <a:endParaRPr lang="en-US"/>
           </a:p>
@@ -775,7 +779,7 @@
           <a:p>
             <a:fld id="{544E5251-C9F1-43FA-8089-0D0D8A3D1DFB}" type="datetimeFigureOut">
               <a:rPr lang="en-US" smtClean="0"/>
-              <a:t>2023-12-28</a:t>
+              <a:t>2023-12-29</a:t>
             </a:fld>
             <a:endParaRPr lang="en-US"/>
           </a:p>
@@ -1025,7 +1029,7 @@
           <a:p>
             <a:fld id="{544E5251-C9F1-43FA-8089-0D0D8A3D1DFB}" type="datetimeFigureOut">
               <a:rPr lang="en-US" smtClean="0"/>
-              <a:t>2023-12-28</a:t>
+              <a:t>2023-12-29</a:t>
             </a:fld>
             <a:endParaRPr lang="en-US"/>
           </a:p>
@@ -1333,7 +1337,7 @@
           <a:p>
             <a:fld id="{544E5251-C9F1-43FA-8089-0D0D8A3D1DFB}" type="datetimeFigureOut">
               <a:rPr lang="en-US" smtClean="0"/>
-              <a:t>2023-12-28</a:t>
+              <a:t>2023-12-29</a:t>
             </a:fld>
             <a:endParaRPr lang="en-US"/>
           </a:p>
@@ -1651,7 +1655,7 @@
           <a:p>
             <a:fld id="{544E5251-C9F1-43FA-8089-0D0D8A3D1DFB}" type="datetimeFigureOut">
               <a:rPr lang="en-US" smtClean="0"/>
-              <a:t>2023-12-28</a:t>
+              <a:t>2023-12-29</a:t>
             </a:fld>
             <a:endParaRPr lang="en-US"/>
           </a:p>
@@ -1953,7 +1957,7 @@
           <a:p>
             <a:fld id="{544E5251-C9F1-43FA-8089-0D0D8A3D1DFB}" type="datetimeFigureOut">
               <a:rPr lang="en-US" smtClean="0"/>
-              <a:t>2023-12-28</a:t>
+              <a:t>2023-12-29</a:t>
             </a:fld>
             <a:endParaRPr lang="en-US"/>
           </a:p>
@@ -2320,7 +2324,7 @@
           <a:p>
             <a:fld id="{544E5251-C9F1-43FA-8089-0D0D8A3D1DFB}" type="datetimeFigureOut">
               <a:rPr lang="en-US" smtClean="0"/>
-              <a:t>2023-12-28</a:t>
+              <a:t>2023-12-29</a:t>
             </a:fld>
             <a:endParaRPr lang="en-US"/>
           </a:p>
@@ -2494,7 +2498,7 @@
           <a:p>
             <a:fld id="{544E5251-C9F1-43FA-8089-0D0D8A3D1DFB}" type="datetimeFigureOut">
               <a:rPr lang="en-US" smtClean="0"/>
-              <a:t>2023-12-28</a:t>
+              <a:t>2023-12-29</a:t>
             </a:fld>
             <a:endParaRPr lang="en-US"/>
           </a:p>
@@ -2674,7 +2678,7 @@
           <a:p>
             <a:fld id="{544E5251-C9F1-43FA-8089-0D0D8A3D1DFB}" type="datetimeFigureOut">
               <a:rPr lang="en-US" smtClean="0"/>
-              <a:t>2023-12-28</a:t>
+              <a:t>2023-12-29</a:t>
             </a:fld>
             <a:endParaRPr lang="en-US"/>
           </a:p>
@@ -2844,7 +2848,7 @@
           <a:p>
             <a:fld id="{544E5251-C9F1-43FA-8089-0D0D8A3D1DFB}" type="datetimeFigureOut">
               <a:rPr lang="en-US" smtClean="0"/>
-              <a:t>2023-12-28</a:t>
+              <a:t>2023-12-29</a:t>
             </a:fld>
             <a:endParaRPr lang="en-US"/>
           </a:p>
@@ -3094,7 +3098,7 @@
           <a:p>
             <a:fld id="{544E5251-C9F1-43FA-8089-0D0D8A3D1DFB}" type="datetimeFigureOut">
               <a:rPr lang="en-US" smtClean="0"/>
-              <a:t>2023-12-28</a:t>
+              <a:t>2023-12-29</a:t>
             </a:fld>
             <a:endParaRPr lang="en-US"/>
           </a:p>
@@ -3330,7 +3334,7 @@
           <a:p>
             <a:fld id="{544E5251-C9F1-43FA-8089-0D0D8A3D1DFB}" type="datetimeFigureOut">
               <a:rPr lang="en-US" smtClean="0"/>
-              <a:t>2023-12-28</a:t>
+              <a:t>2023-12-29</a:t>
             </a:fld>
             <a:endParaRPr lang="en-US"/>
           </a:p>
@@ -3712,7 +3716,7 @@
           <a:p>
             <a:fld id="{544E5251-C9F1-43FA-8089-0D0D8A3D1DFB}" type="datetimeFigureOut">
               <a:rPr lang="en-US" smtClean="0"/>
-              <a:t>2023-12-28</a:t>
+              <a:t>2023-12-29</a:t>
             </a:fld>
             <a:endParaRPr lang="en-US"/>
           </a:p>
@@ -3830,7 +3834,7 @@
           <a:p>
             <a:fld id="{544E5251-C9F1-43FA-8089-0D0D8A3D1DFB}" type="datetimeFigureOut">
               <a:rPr lang="en-US" smtClean="0"/>
-              <a:t>2023-12-28</a:t>
+              <a:t>2023-12-29</a:t>
             </a:fld>
             <a:endParaRPr lang="en-US"/>
           </a:p>
@@ -3925,7 +3929,7 @@
           <a:p>
             <a:fld id="{544E5251-C9F1-43FA-8089-0D0D8A3D1DFB}" type="datetimeFigureOut">
               <a:rPr lang="en-US" smtClean="0"/>
-              <a:t>2023-12-28</a:t>
+              <a:t>2023-12-29</a:t>
             </a:fld>
             <a:endParaRPr lang="en-US"/>
           </a:p>
@@ -4180,7 +4184,7 @@
           <a:p>
             <a:fld id="{544E5251-C9F1-43FA-8089-0D0D8A3D1DFB}" type="datetimeFigureOut">
               <a:rPr lang="en-US" smtClean="0"/>
-              <a:t>2023-12-28</a:t>
+              <a:t>2023-12-29</a:t>
             </a:fld>
             <a:endParaRPr lang="en-US"/>
           </a:p>
@@ -4463,7 +4467,7 @@
           <a:p>
             <a:fld id="{544E5251-C9F1-43FA-8089-0D0D8A3D1DFB}" type="datetimeFigureOut">
               <a:rPr lang="en-US" smtClean="0"/>
-              <a:t>2023-12-28</a:t>
+              <a:t>2023-12-29</a:t>
             </a:fld>
             <a:endParaRPr lang="en-US"/>
           </a:p>
@@ -4869,7 +4873,7 @@
           <a:p>
             <a:fld id="{544E5251-C9F1-43FA-8089-0D0D8A3D1DFB}" type="datetimeFigureOut">
               <a:rPr lang="en-US" smtClean="0"/>
-              <a:t>2023-12-28</a:t>
+              <a:t>2023-12-29</a:t>
             </a:fld>
             <a:endParaRPr lang="en-US"/>
           </a:p>
@@ -5511,7 +5515,7 @@
           <p:cNvPr id="2" name="Title 1">
             <a:extLst>
               <a:ext uri="{FF2B5EF4-FFF2-40B4-BE49-F238E27FC236}">
-                <a16:creationId xmlns:a16="http://schemas.microsoft.com/office/drawing/2014/main" id="{FA3E27BF-B4C5-D35E-71C8-C6D538F0CFF5}"/>
+                <a16:creationId xmlns:a16="http://schemas.microsoft.com/office/drawing/2014/main" id="{83B30DEB-C0B3-EE82-288D-EB218F547F86}"/>
               </a:ext>
             </a:extLst>
           </p:cNvPr>
@@ -5522,375 +5526,66 @@
             <p:ph type="title"/>
           </p:nvPr>
         </p:nvSpPr>
-        <p:spPr/>
+        <p:spPr>
+          <a:xfrm>
+            <a:off x="1392423" y="471144"/>
+            <a:ext cx="8534400" cy="1507067"/>
+          </a:xfrm>
+        </p:spPr>
         <p:txBody>
           <a:bodyPr/>
           <a:lstStyle/>
           <a:p>
-            <a:endParaRPr lang="en-US"/>
-          </a:p>
-        </p:txBody>
-      </p:sp>
-      <p:sp>
-        <p:nvSpPr>
-          <p:cNvPr id="3" name="Content Placeholder 2">
+            <a:pPr algn="ctr" rtl="1"/>
+            <a:r>
+              <a:rPr lang="ar-SA" dirty="0">
+                <a:solidFill>
+                  <a:schemeClr val="bg1"/>
+                </a:solidFill>
+              </a:rPr>
+              <a:t>شتاب ارتعاش مونتاژ با فرکانس چرخش شفت</a:t>
+            </a:r>
+            <a:endParaRPr lang="en-US" dirty="0">
+              <a:solidFill>
+                <a:schemeClr val="bg1"/>
+              </a:solidFill>
+            </a:endParaRPr>
+          </a:p>
+        </p:txBody>
+      </p:sp>
+      <p:pic>
+        <p:nvPicPr>
+          <p:cNvPr id="5" name="Content Placeholder 4">
             <a:extLst>
               <a:ext uri="{FF2B5EF4-FFF2-40B4-BE49-F238E27FC236}">
-                <a16:creationId xmlns:a16="http://schemas.microsoft.com/office/drawing/2014/main" id="{8BE10EC9-0679-A8CA-2D29-24B11F37804D}"/>
+                <a16:creationId xmlns:a16="http://schemas.microsoft.com/office/drawing/2014/main" id="{C9526DCD-D21C-597C-1A63-724F36A6433E}"/>
               </a:ext>
             </a:extLst>
           </p:cNvPr>
-          <p:cNvSpPr>
-            <a:spLocks noGrp="1"/>
-          </p:cNvSpPr>
+          <p:cNvPicPr>
+            <a:picLocks noGrp="1" noChangeAspect="1"/>
+          </p:cNvPicPr>
           <p:nvPr>
             <p:ph idx="1"/>
           </p:nvPr>
-        </p:nvSpPr>
+        </p:nvPicPr>
+        <p:blipFill>
+          <a:blip r:embed="rId2"/>
+          <a:stretch>
+            <a:fillRect/>
+          </a:stretch>
+        </p:blipFill>
         <p:spPr>
           <a:xfrm>
-            <a:off x="684212" y="412376"/>
-            <a:ext cx="8534400" cy="4652683"/>
+            <a:off x="2865669" y="1978211"/>
+            <a:ext cx="5587907" cy="3800784"/>
           </a:xfrm>
         </p:spPr>
-        <p:txBody>
-          <a:bodyPr>
-            <a:noAutofit/>
-          </a:bodyPr>
-          <a:lstStyle/>
-          <a:p>
-            <a:pPr algn="r" rtl="1"/>
-            <a:r>
-              <a:rPr lang="ar-SA" dirty="0">
-                <a:solidFill>
-                  <a:srgbClr val="111111"/>
-                </a:solidFill>
-                <a:effectLst/>
-                <a:latin typeface="Roboto" panose="02000000000000000000" pitchFamily="2" charset="0"/>
-                <a:ea typeface="Times New Roman" panose="02020603050405020304" pitchFamily="18" charset="0"/>
-                <a:cs typeface="B Mitra" panose="00000400000000000000" pitchFamily="2" charset="-78"/>
-              </a:rPr>
-              <a:t>هر کدام از این حالت‌ها با یک فرمول ریاضی مشخص می‌شوند که بر اساس مقدار شتاب ارتعاش، مقدار عضویت را تعیین می‌کند</a:t>
-            </a:r>
-            <a:r>
-              <a:rPr lang="en-US" dirty="0">
-                <a:solidFill>
-                  <a:srgbClr val="111111"/>
-                </a:solidFill>
-                <a:effectLst/>
-                <a:latin typeface="Roboto" panose="02000000000000000000" pitchFamily="2" charset="0"/>
-                <a:ea typeface="Times New Roman" panose="02020603050405020304" pitchFamily="18" charset="0"/>
-                <a:cs typeface="B Mitra" panose="00000400000000000000" pitchFamily="2" charset="-78"/>
-              </a:rPr>
-              <a:t>.</a:t>
-            </a:r>
-            <a:endParaRPr lang="en-US" dirty="0">
-              <a:effectLst/>
-              <a:latin typeface="Calibri" panose="020F0502020204030204" pitchFamily="34" charset="0"/>
-              <a:ea typeface="Calibri" panose="020F0502020204030204" pitchFamily="34" charset="0"/>
-              <a:cs typeface="B Mitra" panose="00000400000000000000" pitchFamily="2" charset="-78"/>
-            </a:endParaRPr>
-          </a:p>
-          <a:p>
-            <a:pPr algn="r" rtl="1"/>
-            <a:r>
-              <a:rPr lang="ar-SA" dirty="0">
-                <a:solidFill>
-                  <a:srgbClr val="111111"/>
-                </a:solidFill>
-                <a:effectLst/>
-                <a:latin typeface="Roboto" panose="02000000000000000000" pitchFamily="2" charset="0"/>
-                <a:ea typeface="Times New Roman" panose="02020603050405020304" pitchFamily="18" charset="0"/>
-                <a:cs typeface="B Mitra" panose="00000400000000000000" pitchFamily="2" charset="-78"/>
-              </a:rPr>
-              <a:t>توابع عضویت شتاب ارتعاش برای فرکانس چرخش شفت تعریف شده است. بر اساس این توابع، پنج قانون فازی تعیین شده است</a:t>
-            </a:r>
-            <a:r>
-              <a:rPr lang="en-US" dirty="0">
-                <a:solidFill>
-                  <a:srgbClr val="111111"/>
-                </a:solidFill>
-                <a:effectLst/>
-                <a:latin typeface="Roboto" panose="02000000000000000000" pitchFamily="2" charset="0"/>
-                <a:ea typeface="Times New Roman" panose="02020603050405020304" pitchFamily="18" charset="0"/>
-                <a:cs typeface="B Mitra" panose="00000400000000000000" pitchFamily="2" charset="-78"/>
-              </a:rPr>
-              <a:t>:</a:t>
-            </a:r>
-            <a:endParaRPr lang="en-US" dirty="0">
-              <a:effectLst/>
-              <a:latin typeface="Calibri" panose="020F0502020204030204" pitchFamily="34" charset="0"/>
-              <a:ea typeface="Calibri" panose="020F0502020204030204" pitchFamily="34" charset="0"/>
-              <a:cs typeface="B Mitra" panose="00000400000000000000" pitchFamily="2" charset="-78"/>
-            </a:endParaRPr>
-          </a:p>
-          <a:p>
-            <a:pPr marL="342900" marR="0" lvl="0" indent="-342900" algn="r" rtl="1">
-              <a:lnSpc>
-                <a:spcPct val="107000"/>
-              </a:lnSpc>
-              <a:spcBef>
-                <a:spcPts val="0"/>
-              </a:spcBef>
-              <a:spcAft>
-                <a:spcPts val="800"/>
-              </a:spcAft>
-              <a:buFont typeface="+mj-lt"/>
-              <a:buAutoNum type="arabicPeriod"/>
-              <a:tabLst>
-                <a:tab pos="457200" algn="l"/>
-              </a:tabLst>
-            </a:pPr>
-            <a:r>
-              <a:rPr lang="ar-SA" dirty="0">
-                <a:solidFill>
-                  <a:srgbClr val="111111"/>
-                </a:solidFill>
-                <a:effectLst/>
-                <a:latin typeface="Roboto" panose="02000000000000000000" pitchFamily="2" charset="0"/>
-                <a:ea typeface="Times New Roman" panose="02020603050405020304" pitchFamily="18" charset="0"/>
-                <a:cs typeface="B Mitra" panose="00000400000000000000" pitchFamily="2" charset="-78"/>
-              </a:rPr>
-              <a:t>اگر شتاب ارتعاش در فرکانس چرخش پایه کم باشد، تشخیص غیرممکن است</a:t>
-            </a:r>
-            <a:r>
-              <a:rPr lang="en-US" dirty="0">
-                <a:solidFill>
-                  <a:srgbClr val="111111"/>
-                </a:solidFill>
-                <a:effectLst/>
-                <a:latin typeface="Roboto" panose="02000000000000000000" pitchFamily="2" charset="0"/>
-                <a:ea typeface="Times New Roman" panose="02020603050405020304" pitchFamily="18" charset="0"/>
-                <a:cs typeface="B Mitra" panose="00000400000000000000" pitchFamily="2" charset="-78"/>
-              </a:rPr>
-              <a:t>.</a:t>
-            </a:r>
-            <a:endParaRPr lang="en-US" dirty="0">
-              <a:solidFill>
-                <a:srgbClr val="111111"/>
-              </a:solidFill>
-              <a:effectLst/>
-              <a:latin typeface="Calibri" panose="020F0502020204030204" pitchFamily="34" charset="0"/>
-              <a:ea typeface="Calibri" panose="020F0502020204030204" pitchFamily="34" charset="0"/>
-              <a:cs typeface="B Mitra" panose="00000400000000000000" pitchFamily="2" charset="-78"/>
-            </a:endParaRPr>
-          </a:p>
-          <a:p>
-            <a:pPr marL="342900" marR="0" lvl="0" indent="-342900" algn="r" rtl="1">
-              <a:lnSpc>
-                <a:spcPct val="107000"/>
-              </a:lnSpc>
-              <a:spcBef>
-                <a:spcPts val="0"/>
-              </a:spcBef>
-              <a:spcAft>
-                <a:spcPts val="800"/>
-              </a:spcAft>
-              <a:buFont typeface="+mj-lt"/>
-              <a:buAutoNum type="arabicPeriod"/>
-              <a:tabLst>
-                <a:tab pos="457200" algn="l"/>
-              </a:tabLst>
-            </a:pPr>
-            <a:r>
-              <a:rPr lang="ar-SA" dirty="0">
-                <a:solidFill>
-                  <a:srgbClr val="111111"/>
-                </a:solidFill>
-                <a:effectLst/>
-                <a:latin typeface="Roboto" panose="02000000000000000000" pitchFamily="2" charset="0"/>
-                <a:ea typeface="Times New Roman" panose="02020603050405020304" pitchFamily="18" charset="0"/>
-                <a:cs typeface="B Mitra" panose="00000400000000000000" pitchFamily="2" charset="-78"/>
-              </a:rPr>
-              <a:t>اگر شتاب ارتعاش در فرکانس چرخش پایه بالا باشد، تشخیص معیوب است</a:t>
-            </a:r>
-            <a:r>
-              <a:rPr lang="en-US" dirty="0">
-                <a:solidFill>
-                  <a:srgbClr val="111111"/>
-                </a:solidFill>
-                <a:effectLst/>
-                <a:latin typeface="Roboto" panose="02000000000000000000" pitchFamily="2" charset="0"/>
-                <a:ea typeface="Times New Roman" panose="02020603050405020304" pitchFamily="18" charset="0"/>
-                <a:cs typeface="B Mitra" panose="00000400000000000000" pitchFamily="2" charset="-78"/>
-              </a:rPr>
-              <a:t>.</a:t>
-            </a:r>
-            <a:endParaRPr lang="en-US" dirty="0">
-              <a:solidFill>
-                <a:srgbClr val="111111"/>
-              </a:solidFill>
-              <a:effectLst/>
-              <a:latin typeface="Calibri" panose="020F0502020204030204" pitchFamily="34" charset="0"/>
-              <a:ea typeface="Calibri" panose="020F0502020204030204" pitchFamily="34" charset="0"/>
-              <a:cs typeface="B Mitra" panose="00000400000000000000" pitchFamily="2" charset="-78"/>
-            </a:endParaRPr>
-          </a:p>
-          <a:p>
-            <a:pPr marL="342900" marR="0" lvl="0" indent="-342900" algn="r" rtl="1">
-              <a:lnSpc>
-                <a:spcPct val="107000"/>
-              </a:lnSpc>
-              <a:spcBef>
-                <a:spcPts val="0"/>
-              </a:spcBef>
-              <a:spcAft>
-                <a:spcPts val="800"/>
-              </a:spcAft>
-              <a:buFont typeface="+mj-lt"/>
-              <a:buAutoNum type="arabicPeriod"/>
-              <a:tabLst>
-                <a:tab pos="457200" algn="l"/>
-              </a:tabLst>
-            </a:pPr>
-            <a:r>
-              <a:rPr lang="ar-SA" dirty="0">
-                <a:solidFill>
-                  <a:srgbClr val="111111"/>
-                </a:solidFill>
-                <a:effectLst/>
-                <a:latin typeface="Roboto" panose="02000000000000000000" pitchFamily="2" charset="0"/>
-                <a:ea typeface="Times New Roman" panose="02020603050405020304" pitchFamily="18" charset="0"/>
-                <a:cs typeface="B Mitra" panose="00000400000000000000" pitchFamily="2" charset="-78"/>
-              </a:rPr>
-              <a:t>اگر شتاب ارتعاش در فرکانس چرخش پایه متوسط باشد، تشخیص اضافی با استفاده از افزایش فرکانس چرخش مورد نیاز است</a:t>
-            </a:r>
-            <a:r>
-              <a:rPr lang="en-US" dirty="0">
-                <a:solidFill>
-                  <a:srgbClr val="111111"/>
-                </a:solidFill>
-                <a:effectLst/>
-                <a:latin typeface="Roboto" panose="02000000000000000000" pitchFamily="2" charset="0"/>
-                <a:ea typeface="Times New Roman" panose="02020603050405020304" pitchFamily="18" charset="0"/>
-                <a:cs typeface="B Mitra" panose="00000400000000000000" pitchFamily="2" charset="-78"/>
-              </a:rPr>
-              <a:t>.</a:t>
-            </a:r>
-            <a:endParaRPr lang="en-US" dirty="0">
-              <a:solidFill>
-                <a:srgbClr val="111111"/>
-              </a:solidFill>
-              <a:effectLst/>
-              <a:latin typeface="Calibri" panose="020F0502020204030204" pitchFamily="34" charset="0"/>
-              <a:ea typeface="Calibri" panose="020F0502020204030204" pitchFamily="34" charset="0"/>
-              <a:cs typeface="B Mitra" panose="00000400000000000000" pitchFamily="2" charset="-78"/>
-            </a:endParaRPr>
-          </a:p>
-          <a:p>
-            <a:pPr marL="342900" marR="0" lvl="0" indent="-342900" algn="r" rtl="1">
-              <a:lnSpc>
-                <a:spcPct val="107000"/>
-              </a:lnSpc>
-              <a:spcBef>
-                <a:spcPts val="0"/>
-              </a:spcBef>
-              <a:spcAft>
-                <a:spcPts val="800"/>
-              </a:spcAft>
-              <a:buFont typeface="+mj-lt"/>
-              <a:buAutoNum type="arabicPeriod"/>
-              <a:tabLst>
-                <a:tab pos="457200" algn="l"/>
-              </a:tabLst>
-            </a:pPr>
-            <a:r>
-              <a:rPr lang="ar-SA" dirty="0">
-                <a:solidFill>
-                  <a:srgbClr val="111111"/>
-                </a:solidFill>
-                <a:effectLst/>
-                <a:latin typeface="Roboto" panose="02000000000000000000" pitchFamily="2" charset="0"/>
-                <a:ea typeface="Times New Roman" panose="02020603050405020304" pitchFamily="18" charset="0"/>
-                <a:cs typeface="B Mitra" panose="00000400000000000000" pitchFamily="2" charset="-78"/>
-              </a:rPr>
-              <a:t>اگر شتاب ارتعاش در فرکانس چرخش افزایش یافته کم باشد، تشخیص ناقص است</a:t>
-            </a:r>
-            <a:r>
-              <a:rPr lang="en-US" dirty="0">
-                <a:solidFill>
-                  <a:srgbClr val="111111"/>
-                </a:solidFill>
-                <a:effectLst/>
-                <a:latin typeface="Roboto" panose="02000000000000000000" pitchFamily="2" charset="0"/>
-                <a:ea typeface="Times New Roman" panose="02020603050405020304" pitchFamily="18" charset="0"/>
-                <a:cs typeface="B Mitra" panose="00000400000000000000" pitchFamily="2" charset="-78"/>
-              </a:rPr>
-              <a:t>.</a:t>
-            </a:r>
-            <a:endParaRPr lang="en-US" dirty="0">
-              <a:solidFill>
-                <a:srgbClr val="111111"/>
-              </a:solidFill>
-              <a:effectLst/>
-              <a:latin typeface="Calibri" panose="020F0502020204030204" pitchFamily="34" charset="0"/>
-              <a:ea typeface="Calibri" panose="020F0502020204030204" pitchFamily="34" charset="0"/>
-              <a:cs typeface="B Mitra" panose="00000400000000000000" pitchFamily="2" charset="-78"/>
-            </a:endParaRPr>
-          </a:p>
-          <a:p>
-            <a:pPr marL="342900" marR="0" lvl="0" indent="-342900" algn="r" rtl="1">
-              <a:lnSpc>
-                <a:spcPct val="107000"/>
-              </a:lnSpc>
-              <a:spcBef>
-                <a:spcPts val="0"/>
-              </a:spcBef>
-              <a:spcAft>
-                <a:spcPts val="800"/>
-              </a:spcAft>
-              <a:buFont typeface="+mj-lt"/>
-              <a:buAutoNum type="arabicPeriod"/>
-              <a:tabLst>
-                <a:tab pos="457200" algn="l"/>
-              </a:tabLst>
-            </a:pPr>
-            <a:r>
-              <a:rPr lang="ar-SA" dirty="0">
-                <a:solidFill>
-                  <a:srgbClr val="111111"/>
-                </a:solidFill>
-                <a:effectLst/>
-                <a:latin typeface="Roboto" panose="02000000000000000000" pitchFamily="2" charset="0"/>
-                <a:ea typeface="Times New Roman" panose="02020603050405020304" pitchFamily="18" charset="0"/>
-                <a:cs typeface="B Mitra" panose="00000400000000000000" pitchFamily="2" charset="-78"/>
-              </a:rPr>
-              <a:t>اگر شتاب ارتعاش در فرکانس چرخش افزایش یافته بالا باشد، تشخیص معیوب است</a:t>
-            </a:r>
-            <a:r>
-              <a:rPr lang="en-US" dirty="0">
-                <a:solidFill>
-                  <a:srgbClr val="111111"/>
-                </a:solidFill>
-                <a:effectLst/>
-                <a:latin typeface="Roboto" panose="02000000000000000000" pitchFamily="2" charset="0"/>
-                <a:ea typeface="Times New Roman" panose="02020603050405020304" pitchFamily="18" charset="0"/>
-                <a:cs typeface="B Mitra" panose="00000400000000000000" pitchFamily="2" charset="-78"/>
-              </a:rPr>
-              <a:t>.</a:t>
-            </a:r>
-            <a:endParaRPr lang="en-US" dirty="0">
-              <a:solidFill>
-                <a:srgbClr val="111111"/>
-              </a:solidFill>
-              <a:effectLst/>
-              <a:latin typeface="Calibri" panose="020F0502020204030204" pitchFamily="34" charset="0"/>
-              <a:ea typeface="Calibri" panose="020F0502020204030204" pitchFamily="34" charset="0"/>
-              <a:cs typeface="B Mitra" panose="00000400000000000000" pitchFamily="2" charset="-78"/>
-            </a:endParaRPr>
-          </a:p>
-          <a:p>
-            <a:pPr algn="r" rtl="1"/>
-            <a:endParaRPr lang="en-US" dirty="0">
-              <a:cs typeface="B Mitra" panose="00000400000000000000" pitchFamily="2" charset="-78"/>
-            </a:endParaRPr>
-          </a:p>
-        </p:txBody>
-      </p:sp>
+      </p:pic>
     </p:spTree>
     <p:extLst>
       <p:ext uri="{BB962C8B-B14F-4D97-AF65-F5344CB8AC3E}">
-        <p14:creationId xmlns:p14="http://schemas.microsoft.com/office/powerpoint/2010/main" val="139946175"/>
+        <p14:creationId xmlns:p14="http://schemas.microsoft.com/office/powerpoint/2010/main" val="990915291"/>
       </p:ext>
     </p:extLst>
   </p:cSld>
@@ -5922,7 +5617,7 @@
           <p:cNvPr id="2" name="Title 1">
             <a:extLst>
               <a:ext uri="{FF2B5EF4-FFF2-40B4-BE49-F238E27FC236}">
-                <a16:creationId xmlns:a16="http://schemas.microsoft.com/office/drawing/2014/main" id="{0B44DA94-1963-4121-5E06-A2813BEBDE20}"/>
+                <a16:creationId xmlns:a16="http://schemas.microsoft.com/office/drawing/2014/main" id="{B369EFD2-EC22-ECCC-C016-F841086F774C}"/>
               </a:ext>
             </a:extLst>
           </p:cNvPr>
@@ -5947,7 +5642,7 @@
           <p:cNvPr id="3" name="Content Placeholder 2">
             <a:extLst>
               <a:ext uri="{FF2B5EF4-FFF2-40B4-BE49-F238E27FC236}">
-                <a16:creationId xmlns:a16="http://schemas.microsoft.com/office/drawing/2014/main" id="{FB968864-BD52-EE04-2319-B789900ABE00}"/>
+                <a16:creationId xmlns:a16="http://schemas.microsoft.com/office/drawing/2014/main" id="{FEDF9A26-340F-56F0-42A5-74FD85F95E02}"/>
               </a:ext>
             </a:extLst>
           </p:cNvPr>
@@ -5972,11 +5667,23 @@
                   <a:schemeClr val="bg1"/>
                 </a:solidFill>
                 <a:effectLst/>
-                <a:latin typeface="Calibri" panose="020F0502020204030204" pitchFamily="34" charset="0"/>
-                <a:ea typeface="Calibri" panose="020F0502020204030204" pitchFamily="34" charset="0"/>
-                <a:cs typeface="B Mitra" panose="00000400000000000000" pitchFamily="2" charset="-78"/>
-              </a:rPr>
-              <a:t>نمونه ای از قوانین را در نظر بگیریم:</a:t>
+                <a:latin typeface="Roboto" panose="02000000000000000000" pitchFamily="2" charset="0"/>
+                <a:ea typeface="Times New Roman" panose="02020603050405020304" pitchFamily="18" charset="0"/>
+                <a:cs typeface="B Mitra" panose="00000400000000000000" pitchFamily="2" charset="-78"/>
+              </a:rPr>
+              <a:t>برای شفت افزایش یافته، دو حالت “کم” و “بالا” با محدوده‌های متفاوتی تعریف شده‌اند</a:t>
+            </a:r>
+            <a:r>
+              <a:rPr lang="en-US" dirty="0">
+                <a:solidFill>
+                  <a:schemeClr val="bg1"/>
+                </a:solidFill>
+                <a:effectLst/>
+                <a:latin typeface="Roboto" panose="02000000000000000000" pitchFamily="2" charset="0"/>
+                <a:ea typeface="Times New Roman" panose="02020603050405020304" pitchFamily="18" charset="0"/>
+                <a:cs typeface="B Mitra" panose="00000400000000000000" pitchFamily="2" charset="-78"/>
+              </a:rPr>
+              <a:t>:</a:t>
             </a:r>
             <a:endParaRPr lang="en-US" dirty="0">
               <a:solidFill>
@@ -5989,7 +5696,23 @@
             </a:endParaRPr>
           </a:p>
           <a:p>
-            <a:pPr algn="r" rtl="1"/>
+            <a:pPr marL="342900" marR="0" lvl="0" indent="-342900" algn="r" rtl="1">
+              <a:lnSpc>
+                <a:spcPct val="107000"/>
+              </a:lnSpc>
+              <a:spcBef>
+                <a:spcPts val="0"/>
+              </a:spcBef>
+              <a:spcAft>
+                <a:spcPts val="800"/>
+              </a:spcAft>
+              <a:buSzPts val="1000"/>
+              <a:buFont typeface="Symbol" panose="05050102010706020507" pitchFamily="18" charset="2"/>
+              <a:buChar char=""/>
+              <a:tabLst>
+                <a:tab pos="457200" algn="l"/>
+              </a:tabLst>
+            </a:pPr>
             <a:r>
               <a:rPr lang="ar-SA" dirty="0">
                 <a:solidFill>
@@ -6000,7 +5723,7 @@
                 <a:ea typeface="Times New Roman" panose="02020603050405020304" pitchFamily="18" charset="0"/>
                 <a:cs typeface="B Mitra" panose="00000400000000000000" pitchFamily="2" charset="-78"/>
               </a:rPr>
-              <a:t>در آزمایش اول، شتاب ارتعاش در فرکانس چرخش پایه 3.8</a:t>
+              <a:t>کم</a:t>
             </a:r>
             <a:r>
               <a:rPr lang="en-US" dirty="0">
@@ -6012,39 +5735,335 @@
                 <a:ea typeface="Times New Roman" panose="02020603050405020304" pitchFamily="18" charset="0"/>
                 <a:cs typeface="B Mitra" panose="00000400000000000000" pitchFamily="2" charset="-78"/>
               </a:rPr>
-              <a:t> m/s2 </a:t>
-            </a:r>
-            <a:r>
-              <a:rPr lang="ar-SA" dirty="0">
-                <a:solidFill>
-                  <a:schemeClr val="bg1"/>
-                </a:solidFill>
-                <a:effectLst/>
-                <a:latin typeface="Roboto" panose="02000000000000000000" pitchFamily="2" charset="0"/>
-                <a:ea typeface="Times New Roman" panose="02020603050405020304" pitchFamily="18" charset="0"/>
-                <a:cs typeface="B Mitra" panose="00000400000000000000" pitchFamily="2" charset="-78"/>
-              </a:rPr>
-              <a:t>بوده است. با توجه به قوانین، این مقدار برای قانون شماره 1 و 2 معنی دارد ولی برای قانون شماره 3 معنی‌دار نیست. چون مقدار تابع عضویت برای عبارت «متوسط» بیشتر از عبارت «کم» است، آزمایش تشخیصی اضافی برای افزایش فرکانس چرخش مورد نیاز است</a:t>
-            </a:r>
-            <a:r>
-              <a:rPr lang="en-US" dirty="0">
-                <a:solidFill>
-                  <a:schemeClr val="bg1"/>
-                </a:solidFill>
-                <a:effectLst/>
-                <a:latin typeface="Roboto" panose="02000000000000000000" pitchFamily="2" charset="0"/>
-                <a:ea typeface="Times New Roman" panose="02020603050405020304" pitchFamily="18" charset="0"/>
-                <a:cs typeface="B Mitra" panose="00000400000000000000" pitchFamily="2" charset="-78"/>
-              </a:rPr>
-              <a:t>.</a:t>
+              <a:t>”:</a:t>
             </a:r>
             <a:endParaRPr lang="en-US" dirty="0">
               <a:solidFill>
                 <a:schemeClr val="bg1"/>
               </a:solidFill>
               <a:effectLst/>
-              <a:latin typeface="Times New Roman" panose="02020603050405020304" pitchFamily="18" charset="0"/>
-              <a:ea typeface="Times New Roman" panose="02020603050405020304" pitchFamily="18" charset="0"/>
+              <a:latin typeface="Calibri" panose="020F0502020204030204" pitchFamily="34" charset="0"/>
+              <a:ea typeface="Calibri" panose="020F0502020204030204" pitchFamily="34" charset="0"/>
+              <a:cs typeface="B Mitra" panose="00000400000000000000" pitchFamily="2" charset="-78"/>
+            </a:endParaRPr>
+          </a:p>
+          <a:p>
+            <a:pPr marL="742950" marR="0" lvl="1" indent="-285750" algn="r" rtl="1">
+              <a:lnSpc>
+                <a:spcPct val="107000"/>
+              </a:lnSpc>
+              <a:spcBef>
+                <a:spcPts val="0"/>
+              </a:spcBef>
+              <a:spcAft>
+                <a:spcPts val="800"/>
+              </a:spcAft>
+              <a:buSzPts val="1000"/>
+              <a:buFont typeface="Courier New" panose="02070309020205020404" pitchFamily="49" charset="0"/>
+              <a:buChar char="o"/>
+              <a:tabLst>
+                <a:tab pos="914400" algn="l"/>
+              </a:tabLst>
+            </a:pPr>
+            <a:r>
+              <a:rPr lang="en-US" sz="2000" dirty="0">
+                <a:solidFill>
+                  <a:schemeClr val="bg1"/>
+                </a:solidFill>
+                <a:effectLst/>
+                <a:latin typeface="Roboto" panose="02000000000000000000" pitchFamily="2" charset="0"/>
+                <a:ea typeface="Times New Roman" panose="02020603050405020304" pitchFamily="18" charset="0"/>
+                <a:cs typeface="B Mitra" panose="00000400000000000000" pitchFamily="2" charset="-78"/>
+              </a:rPr>
+              <a:t>y=1 </a:t>
+            </a:r>
+            <a:r>
+              <a:rPr lang="ar-SA" sz="2000" dirty="0">
+                <a:solidFill>
+                  <a:schemeClr val="bg1"/>
+                </a:solidFill>
+                <a:effectLst/>
+                <a:latin typeface="Roboto" panose="02000000000000000000" pitchFamily="2" charset="0"/>
+                <a:ea typeface="Times New Roman" panose="02020603050405020304" pitchFamily="18" charset="0"/>
+                <a:cs typeface="B Mitra" panose="00000400000000000000" pitchFamily="2" charset="-78"/>
+              </a:rPr>
+              <a:t>برای 0</a:t>
+            </a:r>
+            <a:r>
+              <a:rPr lang="en-US" sz="2000" dirty="0">
+                <a:solidFill>
+                  <a:schemeClr val="bg1"/>
+                </a:solidFill>
+                <a:effectLst/>
+                <a:latin typeface="Roboto" panose="02000000000000000000" pitchFamily="2" charset="0"/>
+                <a:ea typeface="Times New Roman" panose="02020603050405020304" pitchFamily="18" charset="0"/>
+                <a:cs typeface="B Mitra" panose="00000400000000000000" pitchFamily="2" charset="-78"/>
+              </a:rPr>
+              <a:t> m/s2 ≤x≤7 m/s2</a:t>
+            </a:r>
+            <a:endParaRPr lang="en-US" sz="2000" dirty="0">
+              <a:solidFill>
+                <a:schemeClr val="bg1"/>
+              </a:solidFill>
+              <a:effectLst/>
+              <a:latin typeface="Calibri" panose="020F0502020204030204" pitchFamily="34" charset="0"/>
+              <a:ea typeface="Calibri" panose="020F0502020204030204" pitchFamily="34" charset="0"/>
+              <a:cs typeface="B Mitra" panose="00000400000000000000" pitchFamily="2" charset="-78"/>
+            </a:endParaRPr>
+          </a:p>
+          <a:p>
+            <a:pPr marL="742950" marR="0" lvl="1" indent="-285750" algn="r" rtl="1">
+              <a:lnSpc>
+                <a:spcPct val="107000"/>
+              </a:lnSpc>
+              <a:spcBef>
+                <a:spcPts val="0"/>
+              </a:spcBef>
+              <a:spcAft>
+                <a:spcPts val="800"/>
+              </a:spcAft>
+              <a:buSzPts val="1000"/>
+              <a:buFont typeface="Courier New" panose="02070309020205020404" pitchFamily="49" charset="0"/>
+              <a:buChar char="o"/>
+              <a:tabLst>
+                <a:tab pos="914400" algn="l"/>
+              </a:tabLst>
+            </a:pPr>
+            <a:r>
+              <a:rPr lang="en-US" sz="2000" dirty="0">
+                <a:solidFill>
+                  <a:schemeClr val="bg1"/>
+                </a:solidFill>
+                <a:effectLst/>
+                <a:latin typeface="Roboto" panose="02000000000000000000" pitchFamily="2" charset="0"/>
+                <a:ea typeface="Times New Roman" panose="02020603050405020304" pitchFamily="18" charset="0"/>
+                <a:cs typeface="B Mitra" panose="00000400000000000000" pitchFamily="2" charset="-78"/>
+              </a:rPr>
+              <a:t>y=8-x </a:t>
+            </a:r>
+            <a:r>
+              <a:rPr lang="ar-SA" sz="2000" dirty="0">
+                <a:solidFill>
+                  <a:schemeClr val="bg1"/>
+                </a:solidFill>
+                <a:effectLst/>
+                <a:latin typeface="Roboto" panose="02000000000000000000" pitchFamily="2" charset="0"/>
+                <a:ea typeface="Times New Roman" panose="02020603050405020304" pitchFamily="18" charset="0"/>
+                <a:cs typeface="B Mitra" panose="00000400000000000000" pitchFamily="2" charset="-78"/>
+              </a:rPr>
+              <a:t>برای 7</a:t>
+            </a:r>
+            <a:r>
+              <a:rPr lang="en-US" sz="2000" dirty="0">
+                <a:solidFill>
+                  <a:schemeClr val="bg1"/>
+                </a:solidFill>
+                <a:effectLst/>
+                <a:latin typeface="Roboto" panose="02000000000000000000" pitchFamily="2" charset="0"/>
+                <a:ea typeface="Times New Roman" panose="02020603050405020304" pitchFamily="18" charset="0"/>
+                <a:cs typeface="B Mitra" panose="00000400000000000000" pitchFamily="2" charset="-78"/>
+              </a:rPr>
+              <a:t> m/s2 ≤x≤8 m/s2</a:t>
+            </a:r>
+            <a:endParaRPr lang="en-US" sz="2000" dirty="0">
+              <a:solidFill>
+                <a:schemeClr val="bg1"/>
+              </a:solidFill>
+              <a:effectLst/>
+              <a:latin typeface="Calibri" panose="020F0502020204030204" pitchFamily="34" charset="0"/>
+              <a:ea typeface="Calibri" panose="020F0502020204030204" pitchFamily="34" charset="0"/>
+              <a:cs typeface="B Mitra" panose="00000400000000000000" pitchFamily="2" charset="-78"/>
+            </a:endParaRPr>
+          </a:p>
+          <a:p>
+            <a:pPr marL="342900" marR="0" lvl="0" indent="-342900" algn="r" rtl="1">
+              <a:lnSpc>
+                <a:spcPct val="107000"/>
+              </a:lnSpc>
+              <a:spcBef>
+                <a:spcPts val="0"/>
+              </a:spcBef>
+              <a:spcAft>
+                <a:spcPts val="800"/>
+              </a:spcAft>
+              <a:buSzPts val="1000"/>
+              <a:buFont typeface="Symbol" panose="05050102010706020507" pitchFamily="18" charset="2"/>
+              <a:buChar char=""/>
+              <a:tabLst>
+                <a:tab pos="457200" algn="l"/>
+              </a:tabLst>
+            </a:pPr>
+            <a:r>
+              <a:rPr lang="en-US" dirty="0">
+                <a:solidFill>
+                  <a:schemeClr val="bg1"/>
+                </a:solidFill>
+                <a:effectLst/>
+                <a:latin typeface="Roboto" panose="02000000000000000000" pitchFamily="2" charset="0"/>
+                <a:ea typeface="Times New Roman" panose="02020603050405020304" pitchFamily="18" charset="0"/>
+                <a:cs typeface="B Mitra" panose="00000400000000000000" pitchFamily="2" charset="-78"/>
+              </a:rPr>
+              <a:t>“</a:t>
+            </a:r>
+            <a:r>
+              <a:rPr lang="ar-SA" dirty="0">
+                <a:solidFill>
+                  <a:schemeClr val="bg1"/>
+                </a:solidFill>
+                <a:effectLst/>
+                <a:latin typeface="Roboto" panose="02000000000000000000" pitchFamily="2" charset="0"/>
+                <a:ea typeface="Times New Roman" panose="02020603050405020304" pitchFamily="18" charset="0"/>
+                <a:cs typeface="B Mitra" panose="00000400000000000000" pitchFamily="2" charset="-78"/>
+              </a:rPr>
+              <a:t>بالا</a:t>
+            </a:r>
+            <a:r>
+              <a:rPr lang="en-US" dirty="0">
+                <a:solidFill>
+                  <a:schemeClr val="bg1"/>
+                </a:solidFill>
+                <a:effectLst/>
+                <a:latin typeface="Roboto" panose="02000000000000000000" pitchFamily="2" charset="0"/>
+                <a:ea typeface="Times New Roman" panose="02020603050405020304" pitchFamily="18" charset="0"/>
+                <a:cs typeface="B Mitra" panose="00000400000000000000" pitchFamily="2" charset="-78"/>
+              </a:rPr>
+              <a:t>”:</a:t>
+            </a:r>
+            <a:endParaRPr lang="en-US" dirty="0">
+              <a:solidFill>
+                <a:schemeClr val="bg1"/>
+              </a:solidFill>
+              <a:effectLst/>
+              <a:latin typeface="Calibri" panose="020F0502020204030204" pitchFamily="34" charset="0"/>
+              <a:ea typeface="Calibri" panose="020F0502020204030204" pitchFamily="34" charset="0"/>
+              <a:cs typeface="B Mitra" panose="00000400000000000000" pitchFamily="2" charset="-78"/>
+            </a:endParaRPr>
+          </a:p>
+          <a:p>
+            <a:pPr marL="742950" marR="0" lvl="1" indent="-285750" algn="r" rtl="1">
+              <a:lnSpc>
+                <a:spcPct val="107000"/>
+              </a:lnSpc>
+              <a:spcBef>
+                <a:spcPts val="0"/>
+              </a:spcBef>
+              <a:spcAft>
+                <a:spcPts val="800"/>
+              </a:spcAft>
+              <a:buSzPts val="1000"/>
+              <a:buFont typeface="Courier New" panose="02070309020205020404" pitchFamily="49" charset="0"/>
+              <a:buChar char="o"/>
+              <a:tabLst>
+                <a:tab pos="914400" algn="l"/>
+              </a:tabLst>
+            </a:pPr>
+            <a:r>
+              <a:rPr lang="en-US" sz="2000" dirty="0">
+                <a:solidFill>
+                  <a:schemeClr val="bg1"/>
+                </a:solidFill>
+                <a:effectLst/>
+                <a:latin typeface="Roboto" panose="02000000000000000000" pitchFamily="2" charset="0"/>
+                <a:ea typeface="Times New Roman" panose="02020603050405020304" pitchFamily="18" charset="0"/>
+                <a:cs typeface="B Mitra" panose="00000400000000000000" pitchFamily="2" charset="-78"/>
+              </a:rPr>
+              <a:t>y=1 </a:t>
+            </a:r>
+            <a:r>
+              <a:rPr lang="ar-SA" sz="2000" dirty="0">
+                <a:solidFill>
+                  <a:schemeClr val="bg1"/>
+                </a:solidFill>
+                <a:effectLst/>
+                <a:latin typeface="Roboto" panose="02000000000000000000" pitchFamily="2" charset="0"/>
+                <a:ea typeface="Times New Roman" panose="02020603050405020304" pitchFamily="18" charset="0"/>
+                <a:cs typeface="B Mitra" panose="00000400000000000000" pitchFamily="2" charset="-78"/>
+              </a:rPr>
+              <a:t>برای 8</a:t>
+            </a:r>
+            <a:r>
+              <a:rPr lang="en-US" sz="2000" dirty="0">
+                <a:solidFill>
+                  <a:schemeClr val="bg1"/>
+                </a:solidFill>
+                <a:effectLst/>
+                <a:latin typeface="Roboto" panose="02000000000000000000" pitchFamily="2" charset="0"/>
+                <a:ea typeface="Times New Roman" panose="02020603050405020304" pitchFamily="18" charset="0"/>
+                <a:cs typeface="B Mitra" panose="00000400000000000000" pitchFamily="2" charset="-78"/>
+              </a:rPr>
+              <a:t> m/s2 ≤x≤15 m/s2</a:t>
+            </a:r>
+            <a:endParaRPr lang="en-US" sz="2000" dirty="0">
+              <a:solidFill>
+                <a:schemeClr val="bg1"/>
+              </a:solidFill>
+              <a:effectLst/>
+              <a:latin typeface="Calibri" panose="020F0502020204030204" pitchFamily="34" charset="0"/>
+              <a:ea typeface="Calibri" panose="020F0502020204030204" pitchFamily="34" charset="0"/>
+              <a:cs typeface="B Mitra" panose="00000400000000000000" pitchFamily="2" charset="-78"/>
+            </a:endParaRPr>
+          </a:p>
+          <a:p>
+            <a:pPr marL="742950" marR="0" lvl="1" indent="-285750" algn="r" rtl="1">
+              <a:lnSpc>
+                <a:spcPct val="107000"/>
+              </a:lnSpc>
+              <a:spcBef>
+                <a:spcPts val="0"/>
+              </a:spcBef>
+              <a:spcAft>
+                <a:spcPts val="800"/>
+              </a:spcAft>
+              <a:buSzPts val="1000"/>
+              <a:buFont typeface="Courier New" panose="02070309020205020404" pitchFamily="49" charset="0"/>
+              <a:buChar char="o"/>
+              <a:tabLst>
+                <a:tab pos="914400" algn="l"/>
+              </a:tabLst>
+            </a:pPr>
+            <a:r>
+              <a:rPr lang="en-US" sz="2000" dirty="0">
+                <a:solidFill>
+                  <a:schemeClr val="bg1"/>
+                </a:solidFill>
+                <a:effectLst/>
+                <a:latin typeface="Roboto" panose="02000000000000000000" pitchFamily="2" charset="0"/>
+                <a:ea typeface="Times New Roman" panose="02020603050405020304" pitchFamily="18" charset="0"/>
+                <a:cs typeface="B Mitra" panose="00000400000000000000" pitchFamily="2" charset="-78"/>
+              </a:rPr>
+              <a:t>y=x-7 </a:t>
+            </a:r>
+            <a:r>
+              <a:rPr lang="ar-SA" sz="2000" dirty="0">
+                <a:solidFill>
+                  <a:schemeClr val="bg1"/>
+                </a:solidFill>
+                <a:effectLst/>
+                <a:latin typeface="Roboto" panose="02000000000000000000" pitchFamily="2" charset="0"/>
+                <a:ea typeface="Times New Roman" panose="02020603050405020304" pitchFamily="18" charset="0"/>
+                <a:cs typeface="B Mitra" panose="00000400000000000000" pitchFamily="2" charset="-78"/>
+              </a:rPr>
+              <a:t>برای 7</a:t>
+            </a:r>
+            <a:r>
+              <a:rPr lang="en-US" sz="2000" dirty="0">
+                <a:solidFill>
+                  <a:schemeClr val="bg1"/>
+                </a:solidFill>
+                <a:effectLst/>
+                <a:latin typeface="Roboto" panose="02000000000000000000" pitchFamily="2" charset="0"/>
+                <a:ea typeface="Times New Roman" panose="02020603050405020304" pitchFamily="18" charset="0"/>
+                <a:cs typeface="B Mitra" panose="00000400000000000000" pitchFamily="2" charset="-78"/>
+              </a:rPr>
+              <a:t> m/s2 ≤x≤8 m/s2</a:t>
+            </a:r>
+            <a:endParaRPr lang="en-US" sz="2000" dirty="0">
+              <a:solidFill>
+                <a:schemeClr val="bg1"/>
+              </a:solidFill>
+              <a:effectLst/>
+              <a:latin typeface="Calibri" panose="020F0502020204030204" pitchFamily="34" charset="0"/>
+              <a:ea typeface="Calibri" panose="020F0502020204030204" pitchFamily="34" charset="0"/>
               <a:cs typeface="B Mitra" panose="00000400000000000000" pitchFamily="2" charset="-78"/>
             </a:endParaRPr>
           </a:p>
@@ -6062,7 +6081,7 @@
     </p:spTree>
     <p:extLst>
       <p:ext uri="{BB962C8B-B14F-4D97-AF65-F5344CB8AC3E}">
-        <p14:creationId xmlns:p14="http://schemas.microsoft.com/office/powerpoint/2010/main" val="2122236182"/>
+        <p14:creationId xmlns:p14="http://schemas.microsoft.com/office/powerpoint/2010/main" val="832642736"/>
       </p:ext>
     </p:extLst>
   </p:cSld>
@@ -6094,6 +6113,589 @@
           <p:cNvPr id="2" name="Title 1">
             <a:extLst>
               <a:ext uri="{FF2B5EF4-FFF2-40B4-BE49-F238E27FC236}">
+                <a16:creationId xmlns:a16="http://schemas.microsoft.com/office/drawing/2014/main" id="{FA3E27BF-B4C5-D35E-71C8-C6D538F0CFF5}"/>
+              </a:ext>
+            </a:extLst>
+          </p:cNvPr>
+          <p:cNvSpPr>
+            <a:spLocks noGrp="1"/>
+          </p:cNvSpPr>
+          <p:nvPr>
+            <p:ph type="title"/>
+          </p:nvPr>
+        </p:nvSpPr>
+        <p:spPr/>
+        <p:txBody>
+          <a:bodyPr/>
+          <a:lstStyle/>
+          <a:p>
+            <a:endParaRPr lang="en-US"/>
+          </a:p>
+        </p:txBody>
+      </p:sp>
+      <p:sp>
+        <p:nvSpPr>
+          <p:cNvPr id="3" name="Content Placeholder 2">
+            <a:extLst>
+              <a:ext uri="{FF2B5EF4-FFF2-40B4-BE49-F238E27FC236}">
+                <a16:creationId xmlns:a16="http://schemas.microsoft.com/office/drawing/2014/main" id="{8BE10EC9-0679-A8CA-2D29-24B11F37804D}"/>
+              </a:ext>
+            </a:extLst>
+          </p:cNvPr>
+          <p:cNvSpPr>
+            <a:spLocks noGrp="1"/>
+          </p:cNvSpPr>
+          <p:nvPr>
+            <p:ph idx="1"/>
+          </p:nvPr>
+        </p:nvSpPr>
+        <p:spPr>
+          <a:xfrm>
+            <a:off x="684212" y="412376"/>
+            <a:ext cx="8534400" cy="4652683"/>
+          </a:xfrm>
+        </p:spPr>
+        <p:txBody>
+          <a:bodyPr>
+            <a:noAutofit/>
+          </a:bodyPr>
+          <a:lstStyle/>
+          <a:p>
+            <a:pPr algn="r" rtl="1"/>
+            <a:r>
+              <a:rPr lang="ar-SA" dirty="0">
+                <a:solidFill>
+                  <a:srgbClr val="111111"/>
+                </a:solidFill>
+                <a:effectLst/>
+                <a:latin typeface="Roboto" panose="02000000000000000000" pitchFamily="2" charset="0"/>
+                <a:ea typeface="Times New Roman" panose="02020603050405020304" pitchFamily="18" charset="0"/>
+                <a:cs typeface="B Mitra" panose="00000400000000000000" pitchFamily="2" charset="-78"/>
+              </a:rPr>
+              <a:t>هر کدام از این حالت‌ها با یک فرمول ریاضی مشخص می‌شوند که بر اساس مقدار شتاب ارتعاش، مقدار عضویت را تعیین می‌کند</a:t>
+            </a:r>
+            <a:r>
+              <a:rPr lang="en-US" dirty="0">
+                <a:solidFill>
+                  <a:srgbClr val="111111"/>
+                </a:solidFill>
+                <a:effectLst/>
+                <a:latin typeface="Roboto" panose="02000000000000000000" pitchFamily="2" charset="0"/>
+                <a:ea typeface="Times New Roman" panose="02020603050405020304" pitchFamily="18" charset="0"/>
+                <a:cs typeface="B Mitra" panose="00000400000000000000" pitchFamily="2" charset="-78"/>
+              </a:rPr>
+              <a:t>.</a:t>
+            </a:r>
+            <a:endParaRPr lang="en-US" dirty="0">
+              <a:effectLst/>
+              <a:latin typeface="Calibri" panose="020F0502020204030204" pitchFamily="34" charset="0"/>
+              <a:ea typeface="Calibri" panose="020F0502020204030204" pitchFamily="34" charset="0"/>
+              <a:cs typeface="B Mitra" panose="00000400000000000000" pitchFamily="2" charset="-78"/>
+            </a:endParaRPr>
+          </a:p>
+          <a:p>
+            <a:pPr algn="r" rtl="1"/>
+            <a:r>
+              <a:rPr lang="ar-SA" dirty="0">
+                <a:solidFill>
+                  <a:srgbClr val="111111"/>
+                </a:solidFill>
+                <a:effectLst/>
+                <a:latin typeface="Roboto" panose="02000000000000000000" pitchFamily="2" charset="0"/>
+                <a:ea typeface="Times New Roman" panose="02020603050405020304" pitchFamily="18" charset="0"/>
+                <a:cs typeface="B Mitra" panose="00000400000000000000" pitchFamily="2" charset="-78"/>
+              </a:rPr>
+              <a:t>توابع عضویت شتاب ارتعاش برای فرکانس چرخش شفت تعریف شده است. بر اساس این توابع، پنج قانون فازی تعیین شده است</a:t>
+            </a:r>
+            <a:r>
+              <a:rPr lang="en-US" dirty="0">
+                <a:solidFill>
+                  <a:srgbClr val="111111"/>
+                </a:solidFill>
+                <a:effectLst/>
+                <a:latin typeface="Roboto" panose="02000000000000000000" pitchFamily="2" charset="0"/>
+                <a:ea typeface="Times New Roman" panose="02020603050405020304" pitchFamily="18" charset="0"/>
+                <a:cs typeface="B Mitra" panose="00000400000000000000" pitchFamily="2" charset="-78"/>
+              </a:rPr>
+              <a:t>:</a:t>
+            </a:r>
+            <a:endParaRPr lang="en-US" dirty="0">
+              <a:effectLst/>
+              <a:latin typeface="Calibri" panose="020F0502020204030204" pitchFamily="34" charset="0"/>
+              <a:ea typeface="Calibri" panose="020F0502020204030204" pitchFamily="34" charset="0"/>
+              <a:cs typeface="B Mitra" panose="00000400000000000000" pitchFamily="2" charset="-78"/>
+            </a:endParaRPr>
+          </a:p>
+          <a:p>
+            <a:pPr marL="342900" marR="0" lvl="0" indent="-342900" algn="r" rtl="1">
+              <a:lnSpc>
+                <a:spcPct val="107000"/>
+              </a:lnSpc>
+              <a:spcBef>
+                <a:spcPts val="0"/>
+              </a:spcBef>
+              <a:spcAft>
+                <a:spcPts val="800"/>
+              </a:spcAft>
+              <a:buFont typeface="+mj-lt"/>
+              <a:buAutoNum type="arabicPeriod"/>
+              <a:tabLst>
+                <a:tab pos="457200" algn="l"/>
+              </a:tabLst>
+            </a:pPr>
+            <a:r>
+              <a:rPr lang="ar-SA" dirty="0">
+                <a:solidFill>
+                  <a:srgbClr val="111111"/>
+                </a:solidFill>
+                <a:effectLst/>
+                <a:latin typeface="Roboto" panose="02000000000000000000" pitchFamily="2" charset="0"/>
+                <a:ea typeface="Times New Roman" panose="02020603050405020304" pitchFamily="18" charset="0"/>
+                <a:cs typeface="B Mitra" panose="00000400000000000000" pitchFamily="2" charset="-78"/>
+              </a:rPr>
+              <a:t>اگر شتاب ارتعاش در فرکانس چرخش پایه کم باشد، تشخیص غیرممکن است</a:t>
+            </a:r>
+            <a:r>
+              <a:rPr lang="en-US" dirty="0">
+                <a:solidFill>
+                  <a:srgbClr val="111111"/>
+                </a:solidFill>
+                <a:effectLst/>
+                <a:latin typeface="Roboto" panose="02000000000000000000" pitchFamily="2" charset="0"/>
+                <a:ea typeface="Times New Roman" panose="02020603050405020304" pitchFamily="18" charset="0"/>
+                <a:cs typeface="B Mitra" panose="00000400000000000000" pitchFamily="2" charset="-78"/>
+              </a:rPr>
+              <a:t>.</a:t>
+            </a:r>
+            <a:endParaRPr lang="en-US" dirty="0">
+              <a:solidFill>
+                <a:srgbClr val="111111"/>
+              </a:solidFill>
+              <a:effectLst/>
+              <a:latin typeface="Calibri" panose="020F0502020204030204" pitchFamily="34" charset="0"/>
+              <a:ea typeface="Calibri" panose="020F0502020204030204" pitchFamily="34" charset="0"/>
+              <a:cs typeface="B Mitra" panose="00000400000000000000" pitchFamily="2" charset="-78"/>
+            </a:endParaRPr>
+          </a:p>
+          <a:p>
+            <a:pPr marL="342900" marR="0" lvl="0" indent="-342900" algn="r" rtl="1">
+              <a:lnSpc>
+                <a:spcPct val="107000"/>
+              </a:lnSpc>
+              <a:spcBef>
+                <a:spcPts val="0"/>
+              </a:spcBef>
+              <a:spcAft>
+                <a:spcPts val="800"/>
+              </a:spcAft>
+              <a:buFont typeface="+mj-lt"/>
+              <a:buAutoNum type="arabicPeriod"/>
+              <a:tabLst>
+                <a:tab pos="457200" algn="l"/>
+              </a:tabLst>
+            </a:pPr>
+            <a:r>
+              <a:rPr lang="ar-SA" dirty="0">
+                <a:solidFill>
+                  <a:srgbClr val="111111"/>
+                </a:solidFill>
+                <a:effectLst/>
+                <a:latin typeface="Roboto" panose="02000000000000000000" pitchFamily="2" charset="0"/>
+                <a:ea typeface="Times New Roman" panose="02020603050405020304" pitchFamily="18" charset="0"/>
+                <a:cs typeface="B Mitra" panose="00000400000000000000" pitchFamily="2" charset="-78"/>
+              </a:rPr>
+              <a:t>اگر شتاب ارتعاش در فرکانس چرخش پایه بالا باشد، تشخیص معیوب است</a:t>
+            </a:r>
+            <a:r>
+              <a:rPr lang="en-US" dirty="0">
+                <a:solidFill>
+                  <a:srgbClr val="111111"/>
+                </a:solidFill>
+                <a:effectLst/>
+                <a:latin typeface="Roboto" panose="02000000000000000000" pitchFamily="2" charset="0"/>
+                <a:ea typeface="Times New Roman" panose="02020603050405020304" pitchFamily="18" charset="0"/>
+                <a:cs typeface="B Mitra" panose="00000400000000000000" pitchFamily="2" charset="-78"/>
+              </a:rPr>
+              <a:t>.</a:t>
+            </a:r>
+            <a:endParaRPr lang="en-US" dirty="0">
+              <a:solidFill>
+                <a:srgbClr val="111111"/>
+              </a:solidFill>
+              <a:effectLst/>
+              <a:latin typeface="Calibri" panose="020F0502020204030204" pitchFamily="34" charset="0"/>
+              <a:ea typeface="Calibri" panose="020F0502020204030204" pitchFamily="34" charset="0"/>
+              <a:cs typeface="B Mitra" panose="00000400000000000000" pitchFamily="2" charset="-78"/>
+            </a:endParaRPr>
+          </a:p>
+          <a:p>
+            <a:pPr marL="342900" marR="0" lvl="0" indent="-342900" algn="r" rtl="1">
+              <a:lnSpc>
+                <a:spcPct val="107000"/>
+              </a:lnSpc>
+              <a:spcBef>
+                <a:spcPts val="0"/>
+              </a:spcBef>
+              <a:spcAft>
+                <a:spcPts val="800"/>
+              </a:spcAft>
+              <a:buFont typeface="+mj-lt"/>
+              <a:buAutoNum type="arabicPeriod"/>
+              <a:tabLst>
+                <a:tab pos="457200" algn="l"/>
+              </a:tabLst>
+            </a:pPr>
+            <a:r>
+              <a:rPr lang="ar-SA" dirty="0">
+                <a:solidFill>
+                  <a:srgbClr val="111111"/>
+                </a:solidFill>
+                <a:effectLst/>
+                <a:latin typeface="Roboto" panose="02000000000000000000" pitchFamily="2" charset="0"/>
+                <a:ea typeface="Times New Roman" panose="02020603050405020304" pitchFamily="18" charset="0"/>
+                <a:cs typeface="B Mitra" panose="00000400000000000000" pitchFamily="2" charset="-78"/>
+              </a:rPr>
+              <a:t>اگر شتاب ارتعاش در فرکانس چرخش پایه متوسط باشد، تشخیص اضافی با استفاده از افزایش فرکانس چرخش مورد نیاز است</a:t>
+            </a:r>
+            <a:r>
+              <a:rPr lang="en-US" dirty="0">
+                <a:solidFill>
+                  <a:srgbClr val="111111"/>
+                </a:solidFill>
+                <a:effectLst/>
+                <a:latin typeface="Roboto" panose="02000000000000000000" pitchFamily="2" charset="0"/>
+                <a:ea typeface="Times New Roman" panose="02020603050405020304" pitchFamily="18" charset="0"/>
+                <a:cs typeface="B Mitra" panose="00000400000000000000" pitchFamily="2" charset="-78"/>
+              </a:rPr>
+              <a:t>.</a:t>
+            </a:r>
+            <a:endParaRPr lang="en-US" dirty="0">
+              <a:solidFill>
+                <a:srgbClr val="111111"/>
+              </a:solidFill>
+              <a:effectLst/>
+              <a:latin typeface="Calibri" panose="020F0502020204030204" pitchFamily="34" charset="0"/>
+              <a:ea typeface="Calibri" panose="020F0502020204030204" pitchFamily="34" charset="0"/>
+              <a:cs typeface="B Mitra" panose="00000400000000000000" pitchFamily="2" charset="-78"/>
+            </a:endParaRPr>
+          </a:p>
+          <a:p>
+            <a:pPr marL="342900" marR="0" lvl="0" indent="-342900" algn="r" rtl="1">
+              <a:lnSpc>
+                <a:spcPct val="107000"/>
+              </a:lnSpc>
+              <a:spcBef>
+                <a:spcPts val="0"/>
+              </a:spcBef>
+              <a:spcAft>
+                <a:spcPts val="800"/>
+              </a:spcAft>
+              <a:buFont typeface="+mj-lt"/>
+              <a:buAutoNum type="arabicPeriod"/>
+              <a:tabLst>
+                <a:tab pos="457200" algn="l"/>
+              </a:tabLst>
+            </a:pPr>
+            <a:r>
+              <a:rPr lang="ar-SA" dirty="0">
+                <a:solidFill>
+                  <a:srgbClr val="111111"/>
+                </a:solidFill>
+                <a:effectLst/>
+                <a:latin typeface="Roboto" panose="02000000000000000000" pitchFamily="2" charset="0"/>
+                <a:ea typeface="Times New Roman" panose="02020603050405020304" pitchFamily="18" charset="0"/>
+                <a:cs typeface="B Mitra" panose="00000400000000000000" pitchFamily="2" charset="-78"/>
+              </a:rPr>
+              <a:t>اگر شتاب ارتعاش در فرکانس چرخش افزایش یافته کم باشد، تشخیص ناقص است</a:t>
+            </a:r>
+            <a:r>
+              <a:rPr lang="en-US" dirty="0">
+                <a:solidFill>
+                  <a:srgbClr val="111111"/>
+                </a:solidFill>
+                <a:effectLst/>
+                <a:latin typeface="Roboto" panose="02000000000000000000" pitchFamily="2" charset="0"/>
+                <a:ea typeface="Times New Roman" panose="02020603050405020304" pitchFamily="18" charset="0"/>
+                <a:cs typeface="B Mitra" panose="00000400000000000000" pitchFamily="2" charset="-78"/>
+              </a:rPr>
+              <a:t>.</a:t>
+            </a:r>
+            <a:endParaRPr lang="en-US" dirty="0">
+              <a:solidFill>
+                <a:srgbClr val="111111"/>
+              </a:solidFill>
+              <a:effectLst/>
+              <a:latin typeface="Calibri" panose="020F0502020204030204" pitchFamily="34" charset="0"/>
+              <a:ea typeface="Calibri" panose="020F0502020204030204" pitchFamily="34" charset="0"/>
+              <a:cs typeface="B Mitra" panose="00000400000000000000" pitchFamily="2" charset="-78"/>
+            </a:endParaRPr>
+          </a:p>
+          <a:p>
+            <a:pPr marL="342900" marR="0" lvl="0" indent="-342900" algn="r" rtl="1">
+              <a:lnSpc>
+                <a:spcPct val="107000"/>
+              </a:lnSpc>
+              <a:spcBef>
+                <a:spcPts val="0"/>
+              </a:spcBef>
+              <a:spcAft>
+                <a:spcPts val="800"/>
+              </a:spcAft>
+              <a:buFont typeface="+mj-lt"/>
+              <a:buAutoNum type="arabicPeriod"/>
+              <a:tabLst>
+                <a:tab pos="457200" algn="l"/>
+              </a:tabLst>
+            </a:pPr>
+            <a:r>
+              <a:rPr lang="ar-SA" dirty="0">
+                <a:solidFill>
+                  <a:srgbClr val="111111"/>
+                </a:solidFill>
+                <a:effectLst/>
+                <a:latin typeface="Roboto" panose="02000000000000000000" pitchFamily="2" charset="0"/>
+                <a:ea typeface="Times New Roman" panose="02020603050405020304" pitchFamily="18" charset="0"/>
+                <a:cs typeface="B Mitra" panose="00000400000000000000" pitchFamily="2" charset="-78"/>
+              </a:rPr>
+              <a:t>اگر شتاب ارتعاش در فرکانس چرخش افزایش یافته بالا باشد، تشخیص معیوب است</a:t>
+            </a:r>
+            <a:r>
+              <a:rPr lang="en-US" dirty="0">
+                <a:solidFill>
+                  <a:srgbClr val="111111"/>
+                </a:solidFill>
+                <a:effectLst/>
+                <a:latin typeface="Roboto" panose="02000000000000000000" pitchFamily="2" charset="0"/>
+                <a:ea typeface="Times New Roman" panose="02020603050405020304" pitchFamily="18" charset="0"/>
+                <a:cs typeface="B Mitra" panose="00000400000000000000" pitchFamily="2" charset="-78"/>
+              </a:rPr>
+              <a:t>.</a:t>
+            </a:r>
+            <a:endParaRPr lang="en-US" dirty="0">
+              <a:solidFill>
+                <a:srgbClr val="111111"/>
+              </a:solidFill>
+              <a:effectLst/>
+              <a:latin typeface="Calibri" panose="020F0502020204030204" pitchFamily="34" charset="0"/>
+              <a:ea typeface="Calibri" panose="020F0502020204030204" pitchFamily="34" charset="0"/>
+              <a:cs typeface="B Mitra" panose="00000400000000000000" pitchFamily="2" charset="-78"/>
+            </a:endParaRPr>
+          </a:p>
+          <a:p>
+            <a:pPr algn="r" rtl="1"/>
+            <a:endParaRPr lang="en-US" dirty="0">
+              <a:cs typeface="B Mitra" panose="00000400000000000000" pitchFamily="2" charset="-78"/>
+            </a:endParaRPr>
+          </a:p>
+        </p:txBody>
+      </p:sp>
+    </p:spTree>
+    <p:extLst>
+      <p:ext uri="{BB962C8B-B14F-4D97-AF65-F5344CB8AC3E}">
+        <p14:creationId xmlns:p14="http://schemas.microsoft.com/office/powerpoint/2010/main" val="139946175"/>
+      </p:ext>
+    </p:extLst>
+  </p:cSld>
+  <p:clrMapOvr>
+    <a:masterClrMapping/>
+  </p:clrMapOvr>
+</p:sld>
+</file>
+
+<file path=ppt/slides/slide13.xml><?xml version="1.0" encoding="utf-8"?>
+<p:sld xmlns:a="http://schemas.openxmlformats.org/drawingml/2006/main" xmlns:r="http://schemas.openxmlformats.org/officeDocument/2006/relationships" xmlns:p="http://schemas.openxmlformats.org/presentationml/2006/main">
+  <p:cSld>
+    <p:spTree>
+      <p:nvGrpSpPr>
+        <p:cNvPr id="1" name=""/>
+        <p:cNvGrpSpPr/>
+        <p:nvPr/>
+      </p:nvGrpSpPr>
+      <p:grpSpPr>
+        <a:xfrm>
+          <a:off x="0" y="0"/>
+          <a:ext cx="0" cy="0"/>
+          <a:chOff x="0" y="0"/>
+          <a:chExt cx="0" cy="0"/>
+        </a:xfrm>
+      </p:grpSpPr>
+      <p:sp>
+        <p:nvSpPr>
+          <p:cNvPr id="2" name="Title 1">
+            <a:extLst>
+              <a:ext uri="{FF2B5EF4-FFF2-40B4-BE49-F238E27FC236}">
+                <a16:creationId xmlns:a16="http://schemas.microsoft.com/office/drawing/2014/main" id="{0B44DA94-1963-4121-5E06-A2813BEBDE20}"/>
+              </a:ext>
+            </a:extLst>
+          </p:cNvPr>
+          <p:cNvSpPr>
+            <a:spLocks noGrp="1"/>
+          </p:cNvSpPr>
+          <p:nvPr>
+            <p:ph type="title"/>
+          </p:nvPr>
+        </p:nvSpPr>
+        <p:spPr/>
+        <p:txBody>
+          <a:bodyPr/>
+          <a:lstStyle/>
+          <a:p>
+            <a:endParaRPr lang="en-US"/>
+          </a:p>
+        </p:txBody>
+      </p:sp>
+      <p:sp>
+        <p:nvSpPr>
+          <p:cNvPr id="3" name="Content Placeholder 2">
+            <a:extLst>
+              <a:ext uri="{FF2B5EF4-FFF2-40B4-BE49-F238E27FC236}">
+                <a16:creationId xmlns:a16="http://schemas.microsoft.com/office/drawing/2014/main" id="{FB968864-BD52-EE04-2319-B789900ABE00}"/>
+              </a:ext>
+            </a:extLst>
+          </p:cNvPr>
+          <p:cNvSpPr>
+            <a:spLocks noGrp="1"/>
+          </p:cNvSpPr>
+          <p:nvPr>
+            <p:ph idx="1"/>
+          </p:nvPr>
+        </p:nvSpPr>
+        <p:spPr/>
+        <p:txBody>
+          <a:bodyPr>
+            <a:normAutofit/>
+          </a:bodyPr>
+          <a:lstStyle/>
+          <a:p>
+            <a:pPr algn="r" rtl="1"/>
+            <a:r>
+              <a:rPr lang="ar-SA" dirty="0">
+                <a:solidFill>
+                  <a:schemeClr val="bg1"/>
+                </a:solidFill>
+                <a:effectLst/>
+                <a:latin typeface="Calibri" panose="020F0502020204030204" pitchFamily="34" charset="0"/>
+                <a:ea typeface="Calibri" panose="020F0502020204030204" pitchFamily="34" charset="0"/>
+                <a:cs typeface="B Mitra" panose="00000400000000000000" pitchFamily="2" charset="-78"/>
+              </a:rPr>
+              <a:t>نمونه ای از قوانین را در نظر بگیریم:</a:t>
+            </a:r>
+            <a:endParaRPr lang="en-US" dirty="0">
+              <a:solidFill>
+                <a:schemeClr val="bg1"/>
+              </a:solidFill>
+              <a:effectLst/>
+              <a:latin typeface="Calibri" panose="020F0502020204030204" pitchFamily="34" charset="0"/>
+              <a:ea typeface="Calibri" panose="020F0502020204030204" pitchFamily="34" charset="0"/>
+              <a:cs typeface="B Mitra" panose="00000400000000000000" pitchFamily="2" charset="-78"/>
+            </a:endParaRPr>
+          </a:p>
+          <a:p>
+            <a:pPr algn="r" rtl="1"/>
+            <a:r>
+              <a:rPr lang="ar-SA" dirty="0">
+                <a:solidFill>
+                  <a:schemeClr val="bg1"/>
+                </a:solidFill>
+                <a:effectLst/>
+                <a:latin typeface="Roboto" panose="02000000000000000000" pitchFamily="2" charset="0"/>
+                <a:ea typeface="Times New Roman" panose="02020603050405020304" pitchFamily="18" charset="0"/>
+                <a:cs typeface="B Mitra" panose="00000400000000000000" pitchFamily="2" charset="-78"/>
+              </a:rPr>
+              <a:t>در آزمایش اول، شتاب ارتعاش در فرکانس چرخش پایه 3.8</a:t>
+            </a:r>
+            <a:r>
+              <a:rPr lang="en-US" dirty="0">
+                <a:solidFill>
+                  <a:schemeClr val="bg1"/>
+                </a:solidFill>
+                <a:effectLst/>
+                <a:latin typeface="Roboto" panose="02000000000000000000" pitchFamily="2" charset="0"/>
+                <a:ea typeface="Times New Roman" panose="02020603050405020304" pitchFamily="18" charset="0"/>
+                <a:cs typeface="B Mitra" panose="00000400000000000000" pitchFamily="2" charset="-78"/>
+              </a:rPr>
+              <a:t> m/s2 </a:t>
+            </a:r>
+            <a:r>
+              <a:rPr lang="ar-SA" dirty="0">
+                <a:solidFill>
+                  <a:schemeClr val="bg1"/>
+                </a:solidFill>
+                <a:effectLst/>
+                <a:latin typeface="Roboto" panose="02000000000000000000" pitchFamily="2" charset="0"/>
+                <a:ea typeface="Times New Roman" panose="02020603050405020304" pitchFamily="18" charset="0"/>
+                <a:cs typeface="B Mitra" panose="00000400000000000000" pitchFamily="2" charset="-78"/>
+              </a:rPr>
+              <a:t>بوده است. با توجه به قوانین، این مقدار برای قانون شماره 1 و 2 معنی دارد ولی برای قانون شماره 3 معنی‌دار نیست. چون مقدار تابع عضویت برای عبارت «متوسط» بیشتر از عبارت «کم» است، آزمایش تشخیصی اضافی برای افزایش فرکانس چرخش مورد نیاز است</a:t>
+            </a:r>
+            <a:r>
+              <a:rPr lang="en-US" dirty="0">
+                <a:solidFill>
+                  <a:schemeClr val="bg1"/>
+                </a:solidFill>
+                <a:effectLst/>
+                <a:latin typeface="Roboto" panose="02000000000000000000" pitchFamily="2" charset="0"/>
+                <a:ea typeface="Times New Roman" panose="02020603050405020304" pitchFamily="18" charset="0"/>
+                <a:cs typeface="B Mitra" panose="00000400000000000000" pitchFamily="2" charset="-78"/>
+              </a:rPr>
+              <a:t>.</a:t>
+            </a:r>
+            <a:endParaRPr lang="en-US" dirty="0">
+              <a:solidFill>
+                <a:schemeClr val="bg1"/>
+              </a:solidFill>
+              <a:effectLst/>
+              <a:latin typeface="Times New Roman" panose="02020603050405020304" pitchFamily="18" charset="0"/>
+              <a:ea typeface="Times New Roman" panose="02020603050405020304" pitchFamily="18" charset="0"/>
+              <a:cs typeface="B Mitra" panose="00000400000000000000" pitchFamily="2" charset="-78"/>
+            </a:endParaRPr>
+          </a:p>
+          <a:p>
+            <a:pPr algn="r" rtl="1"/>
+            <a:endParaRPr lang="en-US" dirty="0">
+              <a:solidFill>
+                <a:schemeClr val="bg1"/>
+              </a:solidFill>
+              <a:cs typeface="B Mitra" panose="00000400000000000000" pitchFamily="2" charset="-78"/>
+            </a:endParaRPr>
+          </a:p>
+        </p:txBody>
+      </p:sp>
+    </p:spTree>
+    <p:extLst>
+      <p:ext uri="{BB962C8B-B14F-4D97-AF65-F5344CB8AC3E}">
+        <p14:creationId xmlns:p14="http://schemas.microsoft.com/office/powerpoint/2010/main" val="2122236182"/>
+      </p:ext>
+    </p:extLst>
+  </p:cSld>
+  <p:clrMapOvr>
+    <a:masterClrMapping/>
+  </p:clrMapOvr>
+</p:sld>
+</file>
+
+<file path=ppt/slides/slide14.xml><?xml version="1.0" encoding="utf-8"?>
+<p:sld xmlns:a="http://schemas.openxmlformats.org/drawingml/2006/main" xmlns:r="http://schemas.openxmlformats.org/officeDocument/2006/relationships" xmlns:p="http://schemas.openxmlformats.org/presentationml/2006/main">
+  <p:cSld>
+    <p:spTree>
+      <p:nvGrpSpPr>
+        <p:cNvPr id="1" name=""/>
+        <p:cNvGrpSpPr/>
+        <p:nvPr/>
+      </p:nvGrpSpPr>
+      <p:grpSpPr>
+        <a:xfrm>
+          <a:off x="0" y="0"/>
+          <a:ext cx="0" cy="0"/>
+          <a:chOff x="0" y="0"/>
+          <a:chExt cx="0" cy="0"/>
+        </a:xfrm>
+      </p:grpSpPr>
+      <p:sp>
+        <p:nvSpPr>
+          <p:cNvPr id="2" name="Title 1">
+            <a:extLst>
+              <a:ext uri="{FF2B5EF4-FFF2-40B4-BE49-F238E27FC236}">
                 <a16:creationId xmlns:a16="http://schemas.microsoft.com/office/drawing/2014/main" id="{24BE511E-13BA-F888-6EC8-8385022A701F}"/>
               </a:ext>
             </a:extLst>
@@ -6201,6 +6803,36 @@
           </a:p>
         </p:txBody>
       </p:sp>
+      <p:pic>
+        <p:nvPicPr>
+          <p:cNvPr id="5" name="Picture 4">
+            <a:extLst>
+              <a:ext uri="{FF2B5EF4-FFF2-40B4-BE49-F238E27FC236}">
+                <a16:creationId xmlns:a16="http://schemas.microsoft.com/office/drawing/2014/main" id="{0111C742-2836-CEC0-CC92-D8CFA6F18407}"/>
+              </a:ext>
+            </a:extLst>
+          </p:cNvPr>
+          <p:cNvPicPr>
+            <a:picLocks noChangeAspect="1"/>
+          </p:cNvPicPr>
+          <p:nvPr/>
+        </p:nvPicPr>
+        <p:blipFill>
+          <a:blip r:embed="rId2"/>
+          <a:stretch>
+            <a:fillRect/>
+          </a:stretch>
+        </p:blipFill>
+        <p:spPr>
+          <a:xfrm>
+            <a:off x="2613170" y="2896688"/>
+            <a:ext cx="5053012" cy="3368675"/>
+          </a:xfrm>
+          <a:prstGeom prst="rect">
+            <a:avLst/>
+          </a:prstGeom>
+        </p:spPr>
+      </p:pic>
     </p:spTree>
     <p:extLst>
       <p:ext uri="{BB962C8B-B14F-4D97-AF65-F5344CB8AC3E}">
@@ -6214,7 +6846,7 @@
 </p:sld>
 </file>
 
-<file path=ppt/slides/slide13.xml><?xml version="1.0" encoding="utf-8"?>
+<file path=ppt/slides/slide15.xml><?xml version="1.0" encoding="utf-8"?>
 <p:sld xmlns:a="http://schemas.openxmlformats.org/drawingml/2006/main" xmlns:r="http://schemas.openxmlformats.org/officeDocument/2006/relationships" xmlns:p="http://schemas.openxmlformats.org/presentationml/2006/main">
   <p:cSld>
     <p:spTree>
@@ -6700,7 +7332,7 @@
           <p:cNvPr id="2" name="Title 1">
             <a:extLst>
               <a:ext uri="{FF2B5EF4-FFF2-40B4-BE49-F238E27FC236}">
-                <a16:creationId xmlns:a16="http://schemas.microsoft.com/office/drawing/2014/main" id="{95C4124D-DC1A-82C2-3E47-DC7419D8D2DB}"/>
+                <a16:creationId xmlns:a16="http://schemas.microsoft.com/office/drawing/2014/main" id="{A801E7EE-AE3B-CED7-64F2-854B160AD794}"/>
               </a:ext>
             </a:extLst>
           </p:cNvPr>
@@ -6711,71 +7343,26 @@
             <p:ph type="title"/>
           </p:nvPr>
         </p:nvSpPr>
-        <p:spPr/>
-        <p:txBody>
-          <a:bodyPr/>
-          <a:lstStyle/>
-          <a:p>
-            <a:endParaRPr lang="en-US"/>
-          </a:p>
-        </p:txBody>
-      </p:sp>
-      <p:sp>
-        <p:nvSpPr>
-          <p:cNvPr id="3" name="Content Placeholder 2">
-            <a:extLst>
-              <a:ext uri="{FF2B5EF4-FFF2-40B4-BE49-F238E27FC236}">
-                <a16:creationId xmlns:a16="http://schemas.microsoft.com/office/drawing/2014/main" id="{AA118E50-C5A5-ACA1-4A00-89441F7D972B}"/>
-              </a:ext>
-            </a:extLst>
-          </p:cNvPr>
-          <p:cNvSpPr>
-            <a:spLocks noGrp="1"/>
-          </p:cNvSpPr>
-          <p:nvPr>
-            <p:ph idx="1"/>
-          </p:nvPr>
-        </p:nvSpPr>
         <p:spPr>
           <a:xfrm>
-            <a:off x="684212" y="936812"/>
-            <a:ext cx="8534400" cy="3615267"/>
+            <a:off x="935224" y="587685"/>
+            <a:ext cx="8534400" cy="1507067"/>
           </a:xfrm>
         </p:spPr>
         <p:txBody>
-          <a:bodyPr>
-            <a:normAutofit/>
-          </a:bodyPr>
-          <a:lstStyle/>
-          <a:p>
-            <a:pPr algn="r" rtl="1"/>
-            <a:r>
-              <a:rPr lang="ar-SA" dirty="0">
+          <a:bodyPr/>
+          <a:lstStyle/>
+          <a:p>
+            <a:pPr algn="ctr" rtl="1"/>
+            <a:r>
+              <a:rPr lang="fa-IR" dirty="0">
                 <a:solidFill>
                   <a:schemeClr val="bg1"/>
                 </a:solidFill>
-                <a:effectLst/>
-                <a:latin typeface="Times New Roman" panose="02020603050405020304" pitchFamily="18" charset="0"/>
-                <a:ea typeface="Times New Roman" panose="02020603050405020304" pitchFamily="18" charset="0"/>
-                <a:cs typeface="B Mitra" panose="00000400000000000000" pitchFamily="2" charset="-78"/>
-              </a:rPr>
-              <a:t>مرحله بعدی تشخیص ارتعاش با پیشرفت علمی و ظهور ماشین‌های محاسباتی ارتباط دارد. سیستم‌های تشخیصی جدیدی که پارامترهای ارتعاش را اندازه‌گیری و با مقادیر بحرانی مقایسه می‌کنند، در دهه‌های گذشته ظاهر شده‌اند. این سیستم‌ها نیاز به ابزارها و مدل‌های ریاضی پیشرفته‌تر دارند. ایجاد مدل کامل ریاضی عملکرد واحد تشخیص داده شده به دلیل تعداد زیاد اتصالات، سخت است. توسعه ویژگی‌های تطبیقی سیستم‌های تشخیصی تنها با استفاده از الگوریتم‌های منطق فازی امکان‌پذیر است. هدف این مقاله تعیین امکان استفاده از ابزارهای منطق فازی برای اهداف تشخیصی است</a:t>
-            </a:r>
-            <a:r>
-              <a:rPr lang="en-US" dirty="0">
-                <a:solidFill>
-                  <a:schemeClr val="bg1"/>
-                </a:solidFill>
-                <a:effectLst/>
-                <a:latin typeface="Times New Roman" panose="02020603050405020304" pitchFamily="18" charset="0"/>
-                <a:ea typeface="Times New Roman" panose="02020603050405020304" pitchFamily="18" charset="0"/>
-                <a:cs typeface="B Mitra" panose="00000400000000000000" pitchFamily="2" charset="-78"/>
-              </a:rPr>
-              <a:t>.</a:t>
-            </a:r>
-          </a:p>
-          <a:p>
-            <a:pPr algn="r" rtl="1"/>
+                <a:cs typeface="B Mitra" panose="00000400000000000000" pitchFamily="2" charset="-78"/>
+              </a:rPr>
+              <a:t>شفت چیست؟</a:t>
+            </a:r>
             <a:endParaRPr lang="en-US" dirty="0">
               <a:solidFill>
                 <a:schemeClr val="bg1"/>
@@ -6785,10 +7372,125 @@
           </a:p>
         </p:txBody>
       </p:sp>
+      <p:sp>
+        <p:nvSpPr>
+          <p:cNvPr id="3" name="Content Placeholder 2">
+            <a:extLst>
+              <a:ext uri="{FF2B5EF4-FFF2-40B4-BE49-F238E27FC236}">
+                <a16:creationId xmlns:a16="http://schemas.microsoft.com/office/drawing/2014/main" id="{09695BFB-85E0-3C04-9107-74A7F4F7DDB7}"/>
+              </a:ext>
+            </a:extLst>
+          </p:cNvPr>
+          <p:cNvSpPr>
+            <a:spLocks noGrp="1"/>
+          </p:cNvSpPr>
+          <p:nvPr>
+            <p:ph idx="1"/>
+          </p:nvPr>
+        </p:nvSpPr>
+        <p:spPr>
+          <a:xfrm>
+            <a:off x="1060730" y="990600"/>
+            <a:ext cx="8534400" cy="3615267"/>
+          </a:xfrm>
+        </p:spPr>
+        <p:txBody>
+          <a:bodyPr/>
+          <a:lstStyle/>
+          <a:p>
+            <a:pPr algn="r" rtl="1"/>
+            <a:r>
+              <a:rPr lang="fa-IR" b="0" i="0" dirty="0">
+                <a:solidFill>
+                  <a:schemeClr val="bg1"/>
+                </a:solidFill>
+                <a:effectLst/>
+                <a:latin typeface="arial" panose="020B0604020202020204" pitchFamily="34" charset="0"/>
+                <a:cs typeface="B Mitra" panose="00000400000000000000" pitchFamily="2" charset="-78"/>
+              </a:rPr>
+              <a:t>شفت یا میل عضو دورانی یا رفت و برگشتی است که برای انتقال نیرو و گشتاور بکار می‌رود و تحت تأثیر تنش پیچشی و خمش قرار دارد و به سه گروه ثابت، مفصلی و قابل خمش تقسیم می‌شود.</a:t>
+            </a:r>
+            <a:endParaRPr lang="en-US" b="0" i="0" dirty="0">
+              <a:solidFill>
+                <a:schemeClr val="bg1"/>
+              </a:solidFill>
+              <a:effectLst/>
+              <a:latin typeface="arial" panose="020B0604020202020204" pitchFamily="34" charset="0"/>
+              <a:cs typeface="B Mitra" panose="00000400000000000000" pitchFamily="2" charset="-78"/>
+            </a:endParaRPr>
+          </a:p>
+          <a:p>
+            <a:pPr algn="r" rtl="1"/>
+            <a:br>
+              <a:rPr lang="fa-IR" b="1" i="0" dirty="0">
+                <a:solidFill>
+                  <a:schemeClr val="bg1"/>
+                </a:solidFill>
+                <a:effectLst/>
+                <a:latin typeface="arial" panose="020B0604020202020204" pitchFamily="34" charset="0"/>
+                <a:cs typeface="B Mitra" panose="00000400000000000000" pitchFamily="2" charset="-78"/>
+              </a:rPr>
+            </a:br>
+            <a:endParaRPr lang="en-US" b="1" dirty="0">
+              <a:solidFill>
+                <a:schemeClr val="bg1"/>
+              </a:solidFill>
+              <a:cs typeface="B Mitra" panose="00000400000000000000" pitchFamily="2" charset="-78"/>
+            </a:endParaRPr>
+          </a:p>
+        </p:txBody>
+      </p:sp>
+      <p:pic>
+        <p:nvPicPr>
+          <p:cNvPr id="1028" name="Picture 4" descr="‫شفت یا شافت (Shaft) - فرامکانیک | انواع شفت | نحوه طراحی ...‬‎">
+            <a:extLst>
+              <a:ext uri="{FF2B5EF4-FFF2-40B4-BE49-F238E27FC236}">
+                <a16:creationId xmlns:a16="http://schemas.microsoft.com/office/drawing/2014/main" id="{C21B2AFF-C857-DC89-2DE4-3D6374E50966}"/>
+              </a:ext>
+            </a:extLst>
+          </p:cNvPr>
+          <p:cNvPicPr>
+            <a:picLocks noChangeAspect="1" noChangeArrowheads="1"/>
+          </p:cNvPicPr>
+          <p:nvPr/>
+        </p:nvPicPr>
+        <p:blipFill>
+          <a:blip r:embed="rId2">
+            <a:extLst>
+              <a:ext uri="{28A0092B-C50C-407E-A947-70E740481C1C}">
+                <a14:useLocalDpi xmlns:a14="http://schemas.microsoft.com/office/drawing/2010/main" val="0"/>
+              </a:ext>
+            </a:extLst>
+          </a:blip>
+          <a:srcRect/>
+          <a:stretch>
+            <a:fillRect/>
+          </a:stretch>
+        </p:blipFill>
+        <p:spPr bwMode="auto">
+          <a:xfrm>
+            <a:off x="3464858" y="3525884"/>
+            <a:ext cx="4701987" cy="2474730"/>
+          </a:xfrm>
+          <a:prstGeom prst="rect">
+            <a:avLst/>
+          </a:prstGeom>
+          <a:noFill/>
+          <a:extLst>
+            <a:ext uri="{909E8E84-426E-40DD-AFC4-6F175D3DCCD1}">
+              <a14:hiddenFill xmlns:a14="http://schemas.microsoft.com/office/drawing/2010/main">
+                <a:solidFill>
+                  <a:srgbClr val="FFFFFF"/>
+                </a:solidFill>
+              </a14:hiddenFill>
+            </a:ext>
+          </a:extLst>
+        </p:spPr>
+      </p:pic>
     </p:spTree>
     <p:extLst>
       <p:ext uri="{BB962C8B-B14F-4D97-AF65-F5344CB8AC3E}">
-        <p14:creationId xmlns:p14="http://schemas.microsoft.com/office/powerpoint/2010/main" val="465768018"/>
+        <p14:creationId xmlns:p14="http://schemas.microsoft.com/office/powerpoint/2010/main" val="411038348"/>
       </p:ext>
     </p:extLst>
   </p:cSld>
@@ -6820,7 +7522,7 @@
           <p:cNvPr id="2" name="Title 1">
             <a:extLst>
               <a:ext uri="{FF2B5EF4-FFF2-40B4-BE49-F238E27FC236}">
-                <a16:creationId xmlns:a16="http://schemas.microsoft.com/office/drawing/2014/main" id="{F9676FE0-6FC8-CB9B-60C1-A7D42045ED86}"/>
+                <a16:creationId xmlns:a16="http://schemas.microsoft.com/office/drawing/2014/main" id="{95C4124D-DC1A-82C2-3E47-DC7419D8D2DB}"/>
               </a:ext>
             </a:extLst>
           </p:cNvPr>
@@ -6845,7 +7547,7 @@
           <p:cNvPr id="3" name="Content Placeholder 2">
             <a:extLst>
               <a:ext uri="{FF2B5EF4-FFF2-40B4-BE49-F238E27FC236}">
-                <a16:creationId xmlns:a16="http://schemas.microsoft.com/office/drawing/2014/main" id="{CE4FDCF0-5078-A9A8-B327-36C289B945F1}"/>
+                <a16:creationId xmlns:a16="http://schemas.microsoft.com/office/drawing/2014/main" id="{AA118E50-C5A5-ACA1-4A00-89441F7D972B}"/>
               </a:ext>
             </a:extLst>
           </p:cNvPr>
@@ -6856,7 +7558,12 @@
             <p:ph idx="1"/>
           </p:nvPr>
         </p:nvSpPr>
-        <p:spPr/>
+        <p:spPr>
+          <a:xfrm>
+            <a:off x="684212" y="936812"/>
+            <a:ext cx="8534400" cy="3615267"/>
+          </a:xfrm>
+        </p:spPr>
         <p:txBody>
           <a:bodyPr>
             <a:normAutofit/>
@@ -6870,21 +7577,24 @@
                   <a:schemeClr val="bg1"/>
                 </a:solidFill>
                 <a:effectLst/>
-                <a:latin typeface="Calibri" panose="020F0502020204030204" pitchFamily="34" charset="0"/>
-                <a:ea typeface="Calibri" panose="020F0502020204030204" pitchFamily="34" charset="0"/>
-                <a:cs typeface="B Mitra" panose="00000400000000000000" pitchFamily="2" charset="-78"/>
-              </a:rPr>
-              <a:t>منطق فازی، سیستمی است که عدم قطعیت را با منطق کلاسیک ترکیب می‌کند. این سیستم اجازه می‌دهد تا مفاهیم غیردقیق و دانش ما را در مورد جهان اطراف توصیف کنیم. ایده اصلی سیستم‌های کنترل با استفاده از منطق فازی، ادغام تجربه خبره در سیستم کنترل کننده فرآیند پویا است. در این سیستم‌ها، روابط پیچیده بین ورودی و خروجی فرآیندهای پویا با قوانین منطق فازی و با استفاده از متغیرهای زبانی توصیف می‌شود. استفاده از متغیرهای زبانی، قواعد و پایین بودن منطق فازی، و استدلال تقریبی، امکان ادغام تجربه خبره را در طرح کنترل توسعه‌یافته فراهم می‌کند.</a:t>
-            </a:r>
-            <a:endParaRPr lang="en-US" dirty="0">
-              <a:solidFill>
-                <a:schemeClr val="bg1"/>
-              </a:solidFill>
-              <a:effectLst/>
-              <a:latin typeface="Calibri" panose="020F0502020204030204" pitchFamily="34" charset="0"/>
-              <a:ea typeface="Calibri" panose="020F0502020204030204" pitchFamily="34" charset="0"/>
-              <a:cs typeface="B Mitra" panose="00000400000000000000" pitchFamily="2" charset="-78"/>
-            </a:endParaRPr>
+                <a:latin typeface="Times New Roman" panose="02020603050405020304" pitchFamily="18" charset="0"/>
+                <a:ea typeface="Times New Roman" panose="02020603050405020304" pitchFamily="18" charset="0"/>
+                <a:cs typeface="B Mitra" panose="00000400000000000000" pitchFamily="2" charset="-78"/>
+              </a:rPr>
+              <a:t>مرحله بعدی تشخیص ارتعاش با پیشرفت علمی و ظهور ماشین‌های محاسباتی ارتباط دارد. سیستم‌های تشخیصی جدیدی که پارامترهای ارتعاش را اندازه‌گیری و با مقادیر بحرانی مقایسه می‌کنند، در دهه‌های گذشته ظاهر شده‌اند. این سیستم‌ها نیاز به ابزارها و مدل‌های ریاضی پیشرفته‌تر دارند. ایجاد مدل کامل ریاضی عملکرد واحد تشخیص داده شده به دلیل تعداد زیاد اتصالات، سخت است. توسعه ویژگی‌های تطبیقی سیستم‌های تشخیصی تنها با استفاده از الگوریتم‌های منطق فازی امکان‌پذیر است. هدف این مقاله تعیین امکان استفاده از ابزارهای منطق فازی برای اهداف تشخیصی است</a:t>
+            </a:r>
+            <a:r>
+              <a:rPr lang="en-US" dirty="0">
+                <a:solidFill>
+                  <a:schemeClr val="bg1"/>
+                </a:solidFill>
+                <a:effectLst/>
+                <a:latin typeface="Times New Roman" panose="02020603050405020304" pitchFamily="18" charset="0"/>
+                <a:ea typeface="Times New Roman" panose="02020603050405020304" pitchFamily="18" charset="0"/>
+                <a:cs typeface="B Mitra" panose="00000400000000000000" pitchFamily="2" charset="-78"/>
+              </a:rPr>
+              <a:t>.</a:t>
+            </a:r>
           </a:p>
           <a:p>
             <a:pPr algn="r" rtl="1"/>
@@ -6900,7 +7610,7 @@
     </p:spTree>
     <p:extLst>
       <p:ext uri="{BB962C8B-B14F-4D97-AF65-F5344CB8AC3E}">
-        <p14:creationId xmlns:p14="http://schemas.microsoft.com/office/powerpoint/2010/main" val="241408605"/>
+        <p14:creationId xmlns:p14="http://schemas.microsoft.com/office/powerpoint/2010/main" val="465768018"/>
       </p:ext>
     </p:extLst>
   </p:cSld>
@@ -6932,7 +7642,7 @@
           <p:cNvPr id="2" name="Title 1">
             <a:extLst>
               <a:ext uri="{FF2B5EF4-FFF2-40B4-BE49-F238E27FC236}">
-                <a16:creationId xmlns:a16="http://schemas.microsoft.com/office/drawing/2014/main" id="{C39BA4E7-232D-9569-CFC7-810596520E8B}"/>
+                <a16:creationId xmlns:a16="http://schemas.microsoft.com/office/drawing/2014/main" id="{F9676FE0-6FC8-CB9B-60C1-A7D42045ED86}"/>
               </a:ext>
             </a:extLst>
           </p:cNvPr>
@@ -6957,7 +7667,7 @@
           <p:cNvPr id="3" name="Content Placeholder 2">
             <a:extLst>
               <a:ext uri="{FF2B5EF4-FFF2-40B4-BE49-F238E27FC236}">
-                <a16:creationId xmlns:a16="http://schemas.microsoft.com/office/drawing/2014/main" id="{A685191E-3988-4E56-4D0C-848F778F9C18}"/>
+                <a16:creationId xmlns:a16="http://schemas.microsoft.com/office/drawing/2014/main" id="{CE4FDCF0-5078-A9A8-B327-36C289B945F1}"/>
               </a:ext>
             </a:extLst>
           </p:cNvPr>
@@ -6986,103 +7696,7 @@
                 <a:ea typeface="Calibri" panose="020F0502020204030204" pitchFamily="34" charset="0"/>
                 <a:cs typeface="B Mitra" panose="00000400000000000000" pitchFamily="2" charset="-78"/>
               </a:rPr>
-              <a:t>منطق فازی، که از قوانینی مانند «اگر </a:t>
-            </a:r>
-            <a:r>
-              <a:rPr lang="en-US" dirty="0">
-                <a:solidFill>
-                  <a:schemeClr val="bg1"/>
-                </a:solidFill>
-                <a:effectLst/>
-                <a:latin typeface="Calibri" panose="020F0502020204030204" pitchFamily="34" charset="0"/>
-                <a:ea typeface="Calibri" panose="020F0502020204030204" pitchFamily="34" charset="0"/>
-                <a:cs typeface="B Mitra" panose="00000400000000000000" pitchFamily="2" charset="-78"/>
-              </a:rPr>
-              <a:t>X</a:t>
-            </a:r>
-            <a:r>
-              <a:rPr lang="ar-SA" dirty="0">
-                <a:solidFill>
-                  <a:schemeClr val="bg1"/>
-                </a:solidFill>
-                <a:effectLst/>
-                <a:latin typeface="Calibri" panose="020F0502020204030204" pitchFamily="34" charset="0"/>
-                <a:ea typeface="Calibri" panose="020F0502020204030204" pitchFamily="34" charset="0"/>
-                <a:cs typeface="B Mitra" panose="00000400000000000000" pitchFamily="2" charset="-78"/>
-              </a:rPr>
-              <a:t> از </a:t>
-            </a:r>
-            <a:r>
-              <a:rPr lang="en-US" dirty="0">
-                <a:solidFill>
-                  <a:schemeClr val="bg1"/>
-                </a:solidFill>
-                <a:effectLst/>
-                <a:latin typeface="Calibri" panose="020F0502020204030204" pitchFamily="34" charset="0"/>
-                <a:ea typeface="Calibri" panose="020F0502020204030204" pitchFamily="34" charset="0"/>
-                <a:cs typeface="B Mitra" panose="00000400000000000000" pitchFamily="2" charset="-78"/>
-              </a:rPr>
-              <a:t>Y</a:t>
-            </a:r>
-            <a:r>
-              <a:rPr lang="ar-SA" dirty="0">
-                <a:solidFill>
-                  <a:schemeClr val="bg1"/>
-                </a:solidFill>
-                <a:effectLst/>
-                <a:latin typeface="Calibri" panose="020F0502020204030204" pitchFamily="34" charset="0"/>
-                <a:ea typeface="Calibri" panose="020F0502020204030204" pitchFamily="34" charset="0"/>
-                <a:cs typeface="B Mitra" panose="00000400000000000000" pitchFamily="2" charset="-78"/>
-              </a:rPr>
-              <a:t>» استفاده می‌کند، می‌تواند به کاهش خطاهای تشخیصی نوع 1 و 2 کمک کند. این قابلیت به ویژه در شناسایی شرایطی که فرکانس چرخش شفت </a:t>
-            </a:r>
-            <a:r>
-              <a:rPr lang="en-US" dirty="0">
-                <a:solidFill>
-                  <a:schemeClr val="bg1"/>
-                </a:solidFill>
-                <a:effectLst/>
-                <a:latin typeface="Calibri" panose="020F0502020204030204" pitchFamily="34" charset="0"/>
-                <a:ea typeface="Calibri" panose="020F0502020204030204" pitchFamily="34" charset="0"/>
-                <a:cs typeface="B Mitra" panose="00000400000000000000" pitchFamily="2" charset="-78"/>
-              </a:rPr>
-              <a:t>N2</a:t>
-            </a:r>
-            <a:r>
-              <a:rPr lang="ar-SA" dirty="0">
-                <a:solidFill>
-                  <a:schemeClr val="bg1"/>
-                </a:solidFill>
-                <a:effectLst/>
-                <a:latin typeface="Calibri" panose="020F0502020204030204" pitchFamily="34" charset="0"/>
-                <a:ea typeface="Calibri" panose="020F0502020204030204" pitchFamily="34" charset="0"/>
-                <a:cs typeface="B Mitra" panose="00000400000000000000" pitchFamily="2" charset="-78"/>
-              </a:rPr>
-              <a:t> بیشتر از </a:t>
-            </a:r>
-            <a:r>
-              <a:rPr lang="en-US" dirty="0">
-                <a:solidFill>
-                  <a:schemeClr val="bg1"/>
-                </a:solidFill>
-                <a:effectLst/>
-                <a:latin typeface="Calibri" panose="020F0502020204030204" pitchFamily="34" charset="0"/>
-                <a:ea typeface="Calibri" panose="020F0502020204030204" pitchFamily="34" charset="0"/>
-                <a:cs typeface="B Mitra" panose="00000400000000000000" pitchFamily="2" charset="-78"/>
-              </a:rPr>
-              <a:t>N1</a:t>
-            </a:r>
-            <a:r>
-              <a:rPr lang="ar-SA" dirty="0">
-                <a:solidFill>
-                  <a:schemeClr val="bg1"/>
-                </a:solidFill>
-                <a:effectLst/>
-                <a:latin typeface="Calibri" panose="020F0502020204030204" pitchFamily="34" charset="0"/>
-                <a:ea typeface="Calibri" panose="020F0502020204030204" pitchFamily="34" charset="0"/>
-                <a:cs typeface="B Mitra" panose="00000400000000000000" pitchFamily="2" charset="-78"/>
-              </a:rPr>
-              <a:t> است، مفید است. با این حال، باید توجه داشت که آزمایش‌های با فرکانس بالا ممکن است هزینه‌های اضافی داشته باشند، از جمله افزایش مصرف انرژی، زمان، منابع و غیره. همچنین، این آزمایش‌ها ممکن است سطح ایمنی را در طول فرآیند تشخیص کاهش دهند. بنابراین، تصمیم گیری در مورد انتخاب بین حالت‌های مختلف سرعت می‌تواند چالش برانگیز باشد. در نهایت، استفاده از منطق فازی باید با توجه به مزایا و معایب خود، و همچنین نیازها و منابع موجود، انجام شود.</a:t>
+              <a:t>منطق فازی، سیستمی است که عدم قطعیت را با منطق کلاسیک ترکیب می‌کند. این سیستم اجازه می‌دهد تا مفاهیم غیردقیق و دانش ما را در مورد جهان اطراف توصیف کنیم. ایده اصلی سیستم‌های کنترل با استفاده از منطق فازی، ادغام تجربه خبره در سیستم کنترل کننده فرآیند پویا است. در این سیستم‌ها، روابط پیچیده بین ورودی و خروجی فرآیندهای پویا با قوانین منطق فازی و با استفاده از متغیرهای زبانی توصیف می‌شود. استفاده از متغیرهای زبانی، قواعد و پایین بودن منطق فازی، و استدلال تقریبی، امکان ادغام تجربه خبره را در طرح کنترل توسعه‌یافته فراهم می‌کند.</a:t>
             </a:r>
             <a:endParaRPr lang="en-US" dirty="0">
               <a:solidFill>
@@ -7108,7 +7722,7 @@
     </p:spTree>
     <p:extLst>
       <p:ext uri="{BB962C8B-B14F-4D97-AF65-F5344CB8AC3E}">
-        <p14:creationId xmlns:p14="http://schemas.microsoft.com/office/powerpoint/2010/main" val="4181816044"/>
+        <p14:creationId xmlns:p14="http://schemas.microsoft.com/office/powerpoint/2010/main" val="241408605"/>
       </p:ext>
     </p:extLst>
   </p:cSld>
@@ -7140,7 +7754,7 @@
           <p:cNvPr id="2" name="Title 1">
             <a:extLst>
               <a:ext uri="{FF2B5EF4-FFF2-40B4-BE49-F238E27FC236}">
-                <a16:creationId xmlns:a16="http://schemas.microsoft.com/office/drawing/2014/main" id="{0B540FB4-386B-A806-C41B-97222A58CC36}"/>
+                <a16:creationId xmlns:a16="http://schemas.microsoft.com/office/drawing/2014/main" id="{C39BA4E7-232D-9569-CFC7-810596520E8B}"/>
               </a:ext>
             </a:extLst>
           </p:cNvPr>
@@ -7151,21 +7765,41 @@
             <p:ph type="title"/>
           </p:nvPr>
         </p:nvSpPr>
-        <p:spPr>
-          <a:xfrm>
-            <a:off x="684212" y="1232148"/>
-            <a:ext cx="8534400" cy="1507067"/>
-          </a:xfrm>
-        </p:spPr>
+        <p:spPr/>
+        <p:txBody>
+          <a:bodyPr/>
+          <a:lstStyle/>
+          <a:p>
+            <a:endParaRPr lang="en-US"/>
+          </a:p>
+        </p:txBody>
+      </p:sp>
+      <p:sp>
+        <p:nvSpPr>
+          <p:cNvPr id="3" name="Content Placeholder 2">
+            <a:extLst>
+              <a:ext uri="{FF2B5EF4-FFF2-40B4-BE49-F238E27FC236}">
+                <a16:creationId xmlns:a16="http://schemas.microsoft.com/office/drawing/2014/main" id="{A685191E-3988-4E56-4D0C-848F778F9C18}"/>
+              </a:ext>
+            </a:extLst>
+          </p:cNvPr>
+          <p:cNvSpPr>
+            <a:spLocks noGrp="1"/>
+          </p:cNvSpPr>
+          <p:nvPr>
+            <p:ph idx="1"/>
+          </p:nvPr>
+        </p:nvSpPr>
+        <p:spPr/>
         <p:txBody>
           <a:bodyPr>
             <a:normAutofit/>
           </a:bodyPr>
           <a:lstStyle/>
           <a:p>
-            <a:pPr algn="ctr"/>
-            <a:r>
-              <a:rPr lang="ar-SA" sz="2500" dirty="0">
+            <a:pPr algn="r" rtl="1"/>
+            <a:r>
+              <a:rPr lang="ar-SA" dirty="0">
                 <a:solidFill>
                   <a:schemeClr val="bg1"/>
                 </a:solidFill>
@@ -7174,10 +7808,10 @@
                 <a:ea typeface="Calibri" panose="020F0502020204030204" pitchFamily="34" charset="0"/>
                 <a:cs typeface="B Mitra" panose="00000400000000000000" pitchFamily="2" charset="-78"/>
               </a:rPr>
-              <a:t>2-تجربی:</a:t>
-            </a:r>
-            <a:br>
-              <a:rPr lang="en-US" sz="2500" dirty="0">
+              <a:t>منطق فازی، که از قوانینی مانند «اگر </a:t>
+            </a:r>
+            <a:r>
+              <a:rPr lang="en-US" dirty="0">
                 <a:solidFill>
                   <a:schemeClr val="bg1"/>
                 </a:solidFill>
@@ -7186,8 +7820,105 @@
                 <a:ea typeface="Calibri" panose="020F0502020204030204" pitchFamily="34" charset="0"/>
                 <a:cs typeface="B Mitra" panose="00000400000000000000" pitchFamily="2" charset="-78"/>
               </a:rPr>
-            </a:br>
-            <a:endParaRPr lang="en-US" sz="2500" dirty="0">
+              <a:t>X</a:t>
+            </a:r>
+            <a:r>
+              <a:rPr lang="ar-SA" dirty="0">
+                <a:solidFill>
+                  <a:schemeClr val="bg1"/>
+                </a:solidFill>
+                <a:effectLst/>
+                <a:latin typeface="Calibri" panose="020F0502020204030204" pitchFamily="34" charset="0"/>
+                <a:ea typeface="Calibri" panose="020F0502020204030204" pitchFamily="34" charset="0"/>
+                <a:cs typeface="B Mitra" panose="00000400000000000000" pitchFamily="2" charset="-78"/>
+              </a:rPr>
+              <a:t> از </a:t>
+            </a:r>
+            <a:r>
+              <a:rPr lang="en-US" dirty="0">
+                <a:solidFill>
+                  <a:schemeClr val="bg1"/>
+                </a:solidFill>
+                <a:effectLst/>
+                <a:latin typeface="Calibri" panose="020F0502020204030204" pitchFamily="34" charset="0"/>
+                <a:ea typeface="Calibri" panose="020F0502020204030204" pitchFamily="34" charset="0"/>
+                <a:cs typeface="B Mitra" panose="00000400000000000000" pitchFamily="2" charset="-78"/>
+              </a:rPr>
+              <a:t>Y</a:t>
+            </a:r>
+            <a:r>
+              <a:rPr lang="ar-SA" dirty="0">
+                <a:solidFill>
+                  <a:schemeClr val="bg1"/>
+                </a:solidFill>
+                <a:effectLst/>
+                <a:latin typeface="Calibri" panose="020F0502020204030204" pitchFamily="34" charset="0"/>
+                <a:ea typeface="Calibri" panose="020F0502020204030204" pitchFamily="34" charset="0"/>
+                <a:cs typeface="B Mitra" panose="00000400000000000000" pitchFamily="2" charset="-78"/>
+              </a:rPr>
+              <a:t>» استفاده می‌کند، می‌تواند به کاهش خطاهای تشخیصی نوع 1 و 2 کمک کند. این قابلیت به ویژه در شناسایی شرایطی که فرکانس چرخش شفت </a:t>
+            </a:r>
+            <a:r>
+              <a:rPr lang="en-US" dirty="0">
+                <a:solidFill>
+                  <a:schemeClr val="bg1"/>
+                </a:solidFill>
+                <a:effectLst/>
+                <a:latin typeface="Calibri" panose="020F0502020204030204" pitchFamily="34" charset="0"/>
+                <a:ea typeface="Calibri" panose="020F0502020204030204" pitchFamily="34" charset="0"/>
+                <a:cs typeface="B Mitra" panose="00000400000000000000" pitchFamily="2" charset="-78"/>
+              </a:rPr>
+              <a:t>N2</a:t>
+            </a:r>
+            <a:r>
+              <a:rPr lang="ar-SA" dirty="0">
+                <a:solidFill>
+                  <a:schemeClr val="bg1"/>
+                </a:solidFill>
+                <a:effectLst/>
+                <a:latin typeface="Calibri" panose="020F0502020204030204" pitchFamily="34" charset="0"/>
+                <a:ea typeface="Calibri" panose="020F0502020204030204" pitchFamily="34" charset="0"/>
+                <a:cs typeface="B Mitra" panose="00000400000000000000" pitchFamily="2" charset="-78"/>
+              </a:rPr>
+              <a:t> بیشتر از </a:t>
+            </a:r>
+            <a:r>
+              <a:rPr lang="en-US" dirty="0">
+                <a:solidFill>
+                  <a:schemeClr val="bg1"/>
+                </a:solidFill>
+                <a:effectLst/>
+                <a:latin typeface="Calibri" panose="020F0502020204030204" pitchFamily="34" charset="0"/>
+                <a:ea typeface="Calibri" panose="020F0502020204030204" pitchFamily="34" charset="0"/>
+                <a:cs typeface="B Mitra" panose="00000400000000000000" pitchFamily="2" charset="-78"/>
+              </a:rPr>
+              <a:t>N1</a:t>
+            </a:r>
+            <a:r>
+              <a:rPr lang="ar-SA" dirty="0">
+                <a:solidFill>
+                  <a:schemeClr val="bg1"/>
+                </a:solidFill>
+                <a:effectLst/>
+                <a:latin typeface="Calibri" panose="020F0502020204030204" pitchFamily="34" charset="0"/>
+                <a:ea typeface="Calibri" panose="020F0502020204030204" pitchFamily="34" charset="0"/>
+                <a:cs typeface="B Mitra" panose="00000400000000000000" pitchFamily="2" charset="-78"/>
+              </a:rPr>
+              <a:t> است، مفید است. با این حال، باید توجه داشت که آزمایش‌های با فرکانس بالا ممکن است هزینه‌های اضافی داشته باشند، از جمله افزایش مصرف انرژی، زمان، منابع و غیره. همچنین، این آزمایش‌ها ممکن است سطح ایمنی را در طول فرآیند تشخیص کاهش دهند. بنابراین، تصمیم گیری در مورد انتخاب بین حالت‌های مختلف سرعت می‌تواند چالش برانگیز باشد. در نهایت، استفاده از منطق فازی باید با توجه به مزایا و معایب خود، و همچنین نیازها و منابع موجود، انجام شود.</a:t>
+            </a:r>
+            <a:endParaRPr lang="en-US" dirty="0">
+              <a:solidFill>
+                <a:schemeClr val="bg1"/>
+              </a:solidFill>
+              <a:effectLst/>
+              <a:latin typeface="Calibri" panose="020F0502020204030204" pitchFamily="34" charset="0"/>
+              <a:ea typeface="Calibri" panose="020F0502020204030204" pitchFamily="34" charset="0"/>
+              <a:cs typeface="B Mitra" panose="00000400000000000000" pitchFamily="2" charset="-78"/>
+            </a:endParaRPr>
+          </a:p>
+          <a:p>
+            <a:pPr algn="r" rtl="1"/>
+            <a:endParaRPr lang="en-US" dirty="0">
               <a:solidFill>
                 <a:schemeClr val="bg1"/>
               </a:solidFill>
@@ -7196,66 +7927,10 @@
           </a:p>
         </p:txBody>
       </p:sp>
-      <p:sp>
-        <p:nvSpPr>
-          <p:cNvPr id="3" name="Content Placeholder 2">
-            <a:extLst>
-              <a:ext uri="{FF2B5EF4-FFF2-40B4-BE49-F238E27FC236}">
-                <a16:creationId xmlns:a16="http://schemas.microsoft.com/office/drawing/2014/main" id="{C8627649-CBCF-7F20-511D-7AEBC491709D}"/>
-              </a:ext>
-            </a:extLst>
-          </p:cNvPr>
-          <p:cNvSpPr>
-            <a:spLocks noGrp="1"/>
-          </p:cNvSpPr>
-          <p:nvPr>
-            <p:ph idx="1"/>
-          </p:nvPr>
-        </p:nvSpPr>
-        <p:spPr>
-          <a:xfrm>
-            <a:off x="684212" y="1985682"/>
-            <a:ext cx="8534400" cy="3615267"/>
-          </a:xfrm>
-        </p:spPr>
-        <p:txBody>
-          <a:bodyPr>
-            <a:normAutofit/>
-          </a:bodyPr>
-          <a:lstStyle/>
-          <a:p>
-            <a:pPr algn="r" rtl="1"/>
-            <a:r>
-              <a:rPr lang="ar-SA" dirty="0">
-                <a:effectLst/>
-                <a:latin typeface="Times New Roman" panose="02020603050405020304" pitchFamily="18" charset="0"/>
-                <a:ea typeface="Times New Roman" panose="02020603050405020304" pitchFamily="18" charset="0"/>
-                <a:cs typeface="B Mitra" panose="00000400000000000000" pitchFamily="2" charset="-78"/>
-              </a:rPr>
-              <a:t>در سیستم منطق فازی، شتاب ارتعاش بلبرینگ و فرکانس چرخش شفت به عنوان متغیرهای ورودی در نظر گرفته می‌شوند و خروجی نتیجه تشخیصی است. اصطلاحات زبانی “کم”، “متوسط” و “بالا” با استفاده از رویکرد کارشناسی معرفی شده و به مقادیر شتاب ارتعاش متصل می‌شوند</a:t>
-            </a:r>
-            <a:r>
-              <a:rPr lang="en-US" dirty="0">
-                <a:effectLst/>
-                <a:latin typeface="Times New Roman" panose="02020603050405020304" pitchFamily="18" charset="0"/>
-                <a:ea typeface="Times New Roman" panose="02020603050405020304" pitchFamily="18" charset="0"/>
-                <a:cs typeface="B Mitra" panose="00000400000000000000" pitchFamily="2" charset="-78"/>
-              </a:rPr>
-              <a:t>.</a:t>
-            </a:r>
-          </a:p>
-          <a:p>
-            <a:pPr algn="r" rtl="1"/>
-            <a:endParaRPr lang="en-US" dirty="0">
-              <a:cs typeface="B Mitra" panose="00000400000000000000" pitchFamily="2" charset="-78"/>
-            </a:endParaRPr>
-          </a:p>
-        </p:txBody>
-      </p:sp>
     </p:spTree>
     <p:extLst>
       <p:ext uri="{BB962C8B-B14F-4D97-AF65-F5344CB8AC3E}">
-        <p14:creationId xmlns:p14="http://schemas.microsoft.com/office/powerpoint/2010/main" val="1677886642"/>
+        <p14:creationId xmlns:p14="http://schemas.microsoft.com/office/powerpoint/2010/main" val="4181816044"/>
       </p:ext>
     </p:extLst>
   </p:cSld>
@@ -7284,10 +7959,71 @@
       </p:grpSpPr>
       <p:sp>
         <p:nvSpPr>
+          <p:cNvPr id="2" name="Title 1">
+            <a:extLst>
+              <a:ext uri="{FF2B5EF4-FFF2-40B4-BE49-F238E27FC236}">
+                <a16:creationId xmlns:a16="http://schemas.microsoft.com/office/drawing/2014/main" id="{0B540FB4-386B-A806-C41B-97222A58CC36}"/>
+              </a:ext>
+            </a:extLst>
+          </p:cNvPr>
+          <p:cNvSpPr>
+            <a:spLocks noGrp="1"/>
+          </p:cNvSpPr>
+          <p:nvPr>
+            <p:ph type="title"/>
+          </p:nvPr>
+        </p:nvSpPr>
+        <p:spPr>
+          <a:xfrm>
+            <a:off x="684212" y="1232148"/>
+            <a:ext cx="8534400" cy="1507067"/>
+          </a:xfrm>
+        </p:spPr>
+        <p:txBody>
+          <a:bodyPr>
+            <a:normAutofit/>
+          </a:bodyPr>
+          <a:lstStyle/>
+          <a:p>
+            <a:pPr algn="ctr"/>
+            <a:r>
+              <a:rPr lang="ar-SA" sz="2500" dirty="0">
+                <a:solidFill>
+                  <a:schemeClr val="bg1"/>
+                </a:solidFill>
+                <a:effectLst/>
+                <a:latin typeface="Calibri" panose="020F0502020204030204" pitchFamily="34" charset="0"/>
+                <a:ea typeface="Calibri" panose="020F0502020204030204" pitchFamily="34" charset="0"/>
+                <a:cs typeface="B Mitra" panose="00000400000000000000" pitchFamily="2" charset="-78"/>
+              </a:rPr>
+              <a:t>2-تجربی:</a:t>
+            </a:r>
+            <a:br>
+              <a:rPr lang="en-US" sz="2500" dirty="0">
+                <a:solidFill>
+                  <a:schemeClr val="bg1"/>
+                </a:solidFill>
+                <a:effectLst/>
+                <a:latin typeface="Calibri" panose="020F0502020204030204" pitchFamily="34" charset="0"/>
+                <a:ea typeface="Calibri" panose="020F0502020204030204" pitchFamily="34" charset="0"/>
+                <a:cs typeface="B Mitra" panose="00000400000000000000" pitchFamily="2" charset="-78"/>
+              </a:rPr>
+            </a:br>
+            <a:endParaRPr lang="en-US" sz="2500" dirty="0">
+              <a:solidFill>
+                <a:schemeClr val="bg1"/>
+              </a:solidFill>
+              <a:cs typeface="B Mitra" panose="00000400000000000000" pitchFamily="2" charset="-78"/>
+            </a:endParaRPr>
+          </a:p>
+        </p:txBody>
+      </p:sp>
+      <p:sp>
+        <p:nvSpPr>
           <p:cNvPr id="3" name="Content Placeholder 2">
             <a:extLst>
               <a:ext uri="{FF2B5EF4-FFF2-40B4-BE49-F238E27FC236}">
-                <a16:creationId xmlns:a16="http://schemas.microsoft.com/office/drawing/2014/main" id="{CFFFABA3-208A-4E41-2C89-D584800BB776}"/>
+                <a16:creationId xmlns:a16="http://schemas.microsoft.com/office/drawing/2014/main" id="{C8627649-CBCF-7F20-511D-7AEBC491709D}"/>
               </a:ext>
             </a:extLst>
           </p:cNvPr>
@@ -7300,13 +8036,13 @@
         </p:nvSpPr>
         <p:spPr>
           <a:xfrm>
-            <a:off x="693176" y="206188"/>
-            <a:ext cx="8534400" cy="6111939"/>
+            <a:off x="684212" y="1985682"/>
+            <a:ext cx="8534400" cy="3615267"/>
           </a:xfrm>
         </p:spPr>
         <p:txBody>
           <a:bodyPr>
-            <a:noAutofit/>
+            <a:normAutofit/>
           </a:bodyPr>
           <a:lstStyle/>
           <a:p>
@@ -7314,601 +8050,34 @@
             <a:r>
               <a:rPr lang="ar-SA" dirty="0">
                 <a:solidFill>
-                  <a:srgbClr val="111111"/>
-                </a:solidFill>
-                <a:effectLst/>
-                <a:latin typeface="Roboto" panose="02000000000000000000" pitchFamily="2" charset="0"/>
+                  <a:schemeClr val="bg1"/>
+                </a:solidFill>
+                <a:effectLst/>
+                <a:latin typeface="Times New Roman" panose="02020603050405020304" pitchFamily="18" charset="0"/>
                 <a:ea typeface="Times New Roman" panose="02020603050405020304" pitchFamily="18" charset="0"/>
                 <a:cs typeface="B Mitra" panose="00000400000000000000" pitchFamily="2" charset="-78"/>
               </a:rPr>
-              <a:t>توابع عضویت مقادیر شتاب ارتعاش در فرکانس چرخش محور اصلی و شفت افزایش یافته به صورت فرمول‌های ریاضی ارائه شده‌اند. برای محور اصلی، سه حالت “کم”، “متوسط” و “بالا” با محدوده‌های مختلف شتاب ارتعاش تعریف شده‌اند</a:t>
+              <a:t>در سیستم منطق فازی، شتاب ارتعاش بلبرینگ و فرکانس چرخش شفت به عنوان متغیرهای ورودی در نظر گرفته می‌شوند و خروجی نتیجه تشخیصی است. اصطلاحات زبانی “کم”، “متوسط” و “بالا” با استفاده از رویکرد کارشناسی معرفی شده و به مقادیر شتاب ارتعاش متصل می‌شوند</a:t>
             </a:r>
             <a:r>
               <a:rPr lang="en-US" dirty="0">
                 <a:solidFill>
-                  <a:srgbClr val="111111"/>
-                </a:solidFill>
-                <a:effectLst/>
-                <a:latin typeface="Roboto" panose="02000000000000000000" pitchFamily="2" charset="0"/>
+                  <a:schemeClr val="bg1"/>
+                </a:solidFill>
+                <a:effectLst/>
+                <a:latin typeface="Times New Roman" panose="02020603050405020304" pitchFamily="18" charset="0"/>
                 <a:ea typeface="Times New Roman" panose="02020603050405020304" pitchFamily="18" charset="0"/>
                 <a:cs typeface="B Mitra" panose="00000400000000000000" pitchFamily="2" charset="-78"/>
               </a:rPr>
-              <a:t>:</a:t>
-            </a:r>
-            <a:endParaRPr lang="en-US" dirty="0">
-              <a:effectLst/>
-              <a:latin typeface="Calibri" panose="020F0502020204030204" pitchFamily="34" charset="0"/>
-              <a:ea typeface="Calibri" panose="020F0502020204030204" pitchFamily="34" charset="0"/>
-              <a:cs typeface="B Mitra" panose="00000400000000000000" pitchFamily="2" charset="-78"/>
-            </a:endParaRPr>
-          </a:p>
-          <a:p>
-            <a:pPr marL="342900" marR="0" lvl="0" indent="-342900" algn="r" rtl="1">
-              <a:lnSpc>
-                <a:spcPct val="107000"/>
-              </a:lnSpc>
-              <a:spcBef>
-                <a:spcPts val="0"/>
-              </a:spcBef>
-              <a:spcAft>
-                <a:spcPts val="800"/>
-              </a:spcAft>
-              <a:buSzPts val="1000"/>
-              <a:buFont typeface="Symbol" panose="05050102010706020507" pitchFamily="18" charset="2"/>
-              <a:buChar char=""/>
-              <a:tabLst>
-                <a:tab pos="457200" algn="l"/>
-              </a:tabLst>
-            </a:pPr>
-            <a:r>
-              <a:rPr lang="ar-SA" dirty="0">
-                <a:solidFill>
-                  <a:srgbClr val="111111"/>
-                </a:solidFill>
-                <a:effectLst/>
-                <a:latin typeface="Roboto" panose="02000000000000000000" pitchFamily="2" charset="0"/>
-                <a:ea typeface="Times New Roman" panose="02020603050405020304" pitchFamily="18" charset="0"/>
-                <a:cs typeface="B Mitra" panose="00000400000000000000" pitchFamily="2" charset="-78"/>
-              </a:rPr>
-              <a:t>کم</a:t>
-            </a:r>
-            <a:r>
-              <a:rPr lang="en-US" dirty="0">
-                <a:solidFill>
-                  <a:srgbClr val="111111"/>
-                </a:solidFill>
-                <a:effectLst/>
-                <a:latin typeface="Roboto" panose="02000000000000000000" pitchFamily="2" charset="0"/>
-                <a:ea typeface="Times New Roman" panose="02020603050405020304" pitchFamily="18" charset="0"/>
-                <a:cs typeface="B Mitra" panose="00000400000000000000" pitchFamily="2" charset="-78"/>
-              </a:rPr>
-              <a:t>”:</a:t>
-            </a:r>
+              <a:t>.</a:t>
+            </a:r>
+          </a:p>
+          <a:p>
+            <a:pPr algn="r" rtl="1"/>
             <a:endParaRPr lang="en-US" dirty="0">
               <a:solidFill>
-                <a:srgbClr val="111111"/>
+                <a:schemeClr val="bg1"/>
               </a:solidFill>
-              <a:effectLst/>
-              <a:latin typeface="Calibri" panose="020F0502020204030204" pitchFamily="34" charset="0"/>
-              <a:ea typeface="Calibri" panose="020F0502020204030204" pitchFamily="34" charset="0"/>
-              <a:cs typeface="B Mitra" panose="00000400000000000000" pitchFamily="2" charset="-78"/>
-            </a:endParaRPr>
-          </a:p>
-          <a:p>
-            <a:pPr marL="742950" marR="0" lvl="1" indent="-285750" algn="r" rtl="1">
-              <a:lnSpc>
-                <a:spcPct val="107000"/>
-              </a:lnSpc>
-              <a:spcBef>
-                <a:spcPts val="0"/>
-              </a:spcBef>
-              <a:spcAft>
-                <a:spcPts val="800"/>
-              </a:spcAft>
-              <a:buSzPts val="1000"/>
-              <a:buFont typeface="Courier New" panose="02070309020205020404" pitchFamily="49" charset="0"/>
-              <a:buChar char="o"/>
-              <a:tabLst>
-                <a:tab pos="914400" algn="l"/>
-              </a:tabLst>
-            </a:pPr>
-            <a:r>
-              <a:rPr lang="en-US" sz="2000" dirty="0">
-                <a:solidFill>
-                  <a:srgbClr val="111111"/>
-                </a:solidFill>
-                <a:effectLst/>
-                <a:latin typeface="Roboto" panose="02000000000000000000" pitchFamily="2" charset="0"/>
-                <a:ea typeface="Times New Roman" panose="02020603050405020304" pitchFamily="18" charset="0"/>
-                <a:cs typeface="B Mitra" panose="00000400000000000000" pitchFamily="2" charset="-78"/>
-              </a:rPr>
-              <a:t>y=1 </a:t>
-            </a:r>
-            <a:r>
-              <a:rPr lang="ar-SA" sz="2000" dirty="0">
-                <a:solidFill>
-                  <a:srgbClr val="111111"/>
-                </a:solidFill>
-                <a:effectLst/>
-                <a:latin typeface="Roboto" panose="02000000000000000000" pitchFamily="2" charset="0"/>
-                <a:ea typeface="Times New Roman" panose="02020603050405020304" pitchFamily="18" charset="0"/>
-                <a:cs typeface="B Mitra" panose="00000400000000000000" pitchFamily="2" charset="-78"/>
-              </a:rPr>
-              <a:t>برای 0</a:t>
-            </a:r>
-            <a:r>
-              <a:rPr lang="en-US" sz="2000" dirty="0">
-                <a:solidFill>
-                  <a:srgbClr val="111111"/>
-                </a:solidFill>
-                <a:effectLst/>
-                <a:latin typeface="Roboto" panose="02000000000000000000" pitchFamily="2" charset="0"/>
-                <a:ea typeface="Times New Roman" panose="02020603050405020304" pitchFamily="18" charset="0"/>
-                <a:cs typeface="B Mitra" panose="00000400000000000000" pitchFamily="2" charset="-78"/>
-              </a:rPr>
-              <a:t> m/s2 ≤x≤3 m/s2</a:t>
-            </a:r>
-            <a:endParaRPr lang="en-US" sz="2000" dirty="0">
-              <a:solidFill>
-                <a:srgbClr val="111111"/>
-              </a:solidFill>
-              <a:effectLst/>
-              <a:latin typeface="Calibri" panose="020F0502020204030204" pitchFamily="34" charset="0"/>
-              <a:ea typeface="Calibri" panose="020F0502020204030204" pitchFamily="34" charset="0"/>
-              <a:cs typeface="B Mitra" panose="00000400000000000000" pitchFamily="2" charset="-78"/>
-            </a:endParaRPr>
-          </a:p>
-          <a:p>
-            <a:pPr marL="742950" marR="0" lvl="1" indent="-285750" algn="r" rtl="1">
-              <a:lnSpc>
-                <a:spcPct val="107000"/>
-              </a:lnSpc>
-              <a:spcBef>
-                <a:spcPts val="0"/>
-              </a:spcBef>
-              <a:spcAft>
-                <a:spcPts val="800"/>
-              </a:spcAft>
-              <a:buSzPts val="1000"/>
-              <a:buFont typeface="Courier New" panose="02070309020205020404" pitchFamily="49" charset="0"/>
-              <a:buChar char="o"/>
-              <a:tabLst>
-                <a:tab pos="914400" algn="l"/>
-              </a:tabLst>
-            </a:pPr>
-            <a:r>
-              <a:rPr lang="en-US" sz="2000" dirty="0">
-                <a:solidFill>
-                  <a:srgbClr val="111111"/>
-                </a:solidFill>
-                <a:effectLst/>
-                <a:latin typeface="Roboto" panose="02000000000000000000" pitchFamily="2" charset="0"/>
-                <a:ea typeface="Times New Roman" panose="02020603050405020304" pitchFamily="18" charset="0"/>
-                <a:cs typeface="B Mitra" panose="00000400000000000000" pitchFamily="2" charset="-78"/>
-              </a:rPr>
-              <a:t>y=4-x </a:t>
-            </a:r>
-            <a:r>
-              <a:rPr lang="ar-SA" sz="2000" dirty="0">
-                <a:solidFill>
-                  <a:srgbClr val="111111"/>
-                </a:solidFill>
-                <a:effectLst/>
-                <a:latin typeface="Roboto" panose="02000000000000000000" pitchFamily="2" charset="0"/>
-                <a:ea typeface="Times New Roman" panose="02020603050405020304" pitchFamily="18" charset="0"/>
-                <a:cs typeface="B Mitra" panose="00000400000000000000" pitchFamily="2" charset="-78"/>
-              </a:rPr>
-              <a:t>برای 3</a:t>
-            </a:r>
-            <a:r>
-              <a:rPr lang="en-US" sz="2000" dirty="0">
-                <a:solidFill>
-                  <a:srgbClr val="111111"/>
-                </a:solidFill>
-                <a:effectLst/>
-                <a:latin typeface="Roboto" panose="02000000000000000000" pitchFamily="2" charset="0"/>
-                <a:ea typeface="Times New Roman" panose="02020603050405020304" pitchFamily="18" charset="0"/>
-                <a:cs typeface="B Mitra" panose="00000400000000000000" pitchFamily="2" charset="-78"/>
-              </a:rPr>
-              <a:t> m/s2 ≤x≤4 m/s2</a:t>
-            </a:r>
-            <a:endParaRPr lang="en-US" sz="2000" dirty="0">
-              <a:solidFill>
-                <a:srgbClr val="111111"/>
-              </a:solidFill>
-              <a:effectLst/>
-              <a:latin typeface="Calibri" panose="020F0502020204030204" pitchFamily="34" charset="0"/>
-              <a:ea typeface="Calibri" panose="020F0502020204030204" pitchFamily="34" charset="0"/>
-              <a:cs typeface="B Mitra" panose="00000400000000000000" pitchFamily="2" charset="-78"/>
-            </a:endParaRPr>
-          </a:p>
-          <a:p>
-            <a:pPr marL="342900" marR="0" lvl="0" indent="-342900" algn="r" rtl="1">
-              <a:lnSpc>
-                <a:spcPct val="107000"/>
-              </a:lnSpc>
-              <a:spcBef>
-                <a:spcPts val="0"/>
-              </a:spcBef>
-              <a:spcAft>
-                <a:spcPts val="800"/>
-              </a:spcAft>
-              <a:buSzPts val="1000"/>
-              <a:buFont typeface="Symbol" panose="05050102010706020507" pitchFamily="18" charset="2"/>
-              <a:buChar char=""/>
-              <a:tabLst>
-                <a:tab pos="457200" algn="l"/>
-              </a:tabLst>
-            </a:pPr>
-            <a:r>
-              <a:rPr lang="en-US" dirty="0">
-                <a:solidFill>
-                  <a:srgbClr val="111111"/>
-                </a:solidFill>
-                <a:effectLst/>
-                <a:latin typeface="Roboto" panose="02000000000000000000" pitchFamily="2" charset="0"/>
-                <a:ea typeface="Times New Roman" panose="02020603050405020304" pitchFamily="18" charset="0"/>
-                <a:cs typeface="B Mitra" panose="00000400000000000000" pitchFamily="2" charset="-78"/>
-              </a:rPr>
-              <a:t>“</a:t>
-            </a:r>
-            <a:r>
-              <a:rPr lang="ar-SA" dirty="0">
-                <a:solidFill>
-                  <a:srgbClr val="111111"/>
-                </a:solidFill>
-                <a:effectLst/>
-                <a:latin typeface="Roboto" panose="02000000000000000000" pitchFamily="2" charset="0"/>
-                <a:ea typeface="Times New Roman" panose="02020603050405020304" pitchFamily="18" charset="0"/>
-                <a:cs typeface="B Mitra" panose="00000400000000000000" pitchFamily="2" charset="-78"/>
-              </a:rPr>
-              <a:t>متوسط</a:t>
-            </a:r>
-            <a:r>
-              <a:rPr lang="en-US" dirty="0">
-                <a:solidFill>
-                  <a:srgbClr val="111111"/>
-                </a:solidFill>
-                <a:effectLst/>
-                <a:latin typeface="Roboto" panose="02000000000000000000" pitchFamily="2" charset="0"/>
-                <a:ea typeface="Times New Roman" panose="02020603050405020304" pitchFamily="18" charset="0"/>
-                <a:cs typeface="B Mitra" panose="00000400000000000000" pitchFamily="2" charset="-78"/>
-              </a:rPr>
-              <a:t>”:</a:t>
-            </a:r>
-            <a:endParaRPr lang="en-US" dirty="0">
-              <a:solidFill>
-                <a:srgbClr val="111111"/>
-              </a:solidFill>
-              <a:effectLst/>
-              <a:latin typeface="Calibri" panose="020F0502020204030204" pitchFamily="34" charset="0"/>
-              <a:ea typeface="Calibri" panose="020F0502020204030204" pitchFamily="34" charset="0"/>
-              <a:cs typeface="B Mitra" panose="00000400000000000000" pitchFamily="2" charset="-78"/>
-            </a:endParaRPr>
-          </a:p>
-          <a:p>
-            <a:pPr marL="742950" marR="0" lvl="1" indent="-285750" algn="r" rtl="1">
-              <a:lnSpc>
-                <a:spcPct val="107000"/>
-              </a:lnSpc>
-              <a:spcBef>
-                <a:spcPts val="0"/>
-              </a:spcBef>
-              <a:spcAft>
-                <a:spcPts val="800"/>
-              </a:spcAft>
-              <a:buSzPts val="1000"/>
-              <a:buFont typeface="Courier New" panose="02070309020205020404" pitchFamily="49" charset="0"/>
-              <a:buChar char="o"/>
-              <a:tabLst>
-                <a:tab pos="914400" algn="l"/>
-              </a:tabLst>
-            </a:pPr>
-            <a:r>
-              <a:rPr lang="en-US" sz="2000" dirty="0">
-                <a:solidFill>
-                  <a:srgbClr val="111111"/>
-                </a:solidFill>
-                <a:effectLst/>
-                <a:latin typeface="Roboto" panose="02000000000000000000" pitchFamily="2" charset="0"/>
-                <a:ea typeface="Times New Roman" panose="02020603050405020304" pitchFamily="18" charset="0"/>
-                <a:cs typeface="B Mitra" panose="00000400000000000000" pitchFamily="2" charset="-78"/>
-              </a:rPr>
-              <a:t>y=x-3 </a:t>
-            </a:r>
-            <a:r>
-              <a:rPr lang="ar-SA" sz="2000" dirty="0">
-                <a:solidFill>
-                  <a:srgbClr val="111111"/>
-                </a:solidFill>
-                <a:effectLst/>
-                <a:latin typeface="Roboto" panose="02000000000000000000" pitchFamily="2" charset="0"/>
-                <a:ea typeface="Times New Roman" panose="02020603050405020304" pitchFamily="18" charset="0"/>
-                <a:cs typeface="B Mitra" panose="00000400000000000000" pitchFamily="2" charset="-78"/>
-              </a:rPr>
-              <a:t>برای 3</a:t>
-            </a:r>
-            <a:r>
-              <a:rPr lang="en-US" sz="2000" dirty="0">
-                <a:solidFill>
-                  <a:srgbClr val="111111"/>
-                </a:solidFill>
-                <a:effectLst/>
-                <a:latin typeface="Roboto" panose="02000000000000000000" pitchFamily="2" charset="0"/>
-                <a:ea typeface="Times New Roman" panose="02020603050405020304" pitchFamily="18" charset="0"/>
-                <a:cs typeface="B Mitra" panose="00000400000000000000" pitchFamily="2" charset="-78"/>
-              </a:rPr>
-              <a:t> m/s2 ≤x≤4 m/s2</a:t>
-            </a:r>
-            <a:endParaRPr lang="en-US" sz="2000" dirty="0">
-              <a:solidFill>
-                <a:srgbClr val="111111"/>
-              </a:solidFill>
-              <a:effectLst/>
-              <a:latin typeface="Calibri" panose="020F0502020204030204" pitchFamily="34" charset="0"/>
-              <a:ea typeface="Calibri" panose="020F0502020204030204" pitchFamily="34" charset="0"/>
-              <a:cs typeface="B Mitra" panose="00000400000000000000" pitchFamily="2" charset="-78"/>
-            </a:endParaRPr>
-          </a:p>
-          <a:p>
-            <a:pPr marL="742950" marR="0" lvl="1" indent="-285750" algn="r" rtl="1">
-              <a:lnSpc>
-                <a:spcPct val="107000"/>
-              </a:lnSpc>
-              <a:spcBef>
-                <a:spcPts val="0"/>
-              </a:spcBef>
-              <a:spcAft>
-                <a:spcPts val="800"/>
-              </a:spcAft>
-              <a:buSzPts val="1000"/>
-              <a:buFont typeface="Courier New" panose="02070309020205020404" pitchFamily="49" charset="0"/>
-              <a:buChar char="o"/>
-              <a:tabLst>
-                <a:tab pos="914400" algn="l"/>
-              </a:tabLst>
-            </a:pPr>
-            <a:r>
-              <a:rPr lang="en-US" sz="2000" dirty="0">
-                <a:solidFill>
-                  <a:srgbClr val="111111"/>
-                </a:solidFill>
-                <a:effectLst/>
-                <a:latin typeface="Roboto" panose="02000000000000000000" pitchFamily="2" charset="0"/>
-                <a:ea typeface="Times New Roman" panose="02020603050405020304" pitchFamily="18" charset="0"/>
-                <a:cs typeface="B Mitra" panose="00000400000000000000" pitchFamily="2" charset="-78"/>
-              </a:rPr>
-              <a:t>y=5-x </a:t>
-            </a:r>
-            <a:r>
-              <a:rPr lang="ar-SA" sz="2000" dirty="0">
-                <a:solidFill>
-                  <a:srgbClr val="111111"/>
-                </a:solidFill>
-                <a:effectLst/>
-                <a:latin typeface="Roboto" panose="02000000000000000000" pitchFamily="2" charset="0"/>
-                <a:ea typeface="Times New Roman" panose="02020603050405020304" pitchFamily="18" charset="0"/>
-                <a:cs typeface="B Mitra" panose="00000400000000000000" pitchFamily="2" charset="-78"/>
-              </a:rPr>
-              <a:t>برای 4</a:t>
-            </a:r>
-            <a:r>
-              <a:rPr lang="en-US" sz="2000" dirty="0">
-                <a:solidFill>
-                  <a:srgbClr val="111111"/>
-                </a:solidFill>
-                <a:effectLst/>
-                <a:latin typeface="Roboto" panose="02000000000000000000" pitchFamily="2" charset="0"/>
-                <a:ea typeface="Times New Roman" panose="02020603050405020304" pitchFamily="18" charset="0"/>
-                <a:cs typeface="B Mitra" panose="00000400000000000000" pitchFamily="2" charset="-78"/>
-              </a:rPr>
-              <a:t> m/s2 ≤x≤5 m/s2</a:t>
-            </a:r>
-            <a:endParaRPr lang="en-US" sz="2000" dirty="0">
-              <a:solidFill>
-                <a:srgbClr val="111111"/>
-              </a:solidFill>
-              <a:effectLst/>
-              <a:latin typeface="Calibri" panose="020F0502020204030204" pitchFamily="34" charset="0"/>
-              <a:ea typeface="Calibri" panose="020F0502020204030204" pitchFamily="34" charset="0"/>
-              <a:cs typeface="B Mitra" panose="00000400000000000000" pitchFamily="2" charset="-78"/>
-            </a:endParaRPr>
-          </a:p>
-          <a:p>
-            <a:pPr marL="342900" marR="0" lvl="0" indent="-342900" algn="r" rtl="1">
-              <a:lnSpc>
-                <a:spcPct val="107000"/>
-              </a:lnSpc>
-              <a:spcBef>
-                <a:spcPts val="0"/>
-              </a:spcBef>
-              <a:spcAft>
-                <a:spcPts val="800"/>
-              </a:spcAft>
-              <a:buSzPts val="1000"/>
-              <a:buFont typeface="Symbol" panose="05050102010706020507" pitchFamily="18" charset="2"/>
-              <a:buChar char=""/>
-              <a:tabLst>
-                <a:tab pos="457200" algn="l"/>
-              </a:tabLst>
-            </a:pPr>
-            <a:r>
-              <a:rPr lang="en-US" dirty="0">
-                <a:solidFill>
-                  <a:srgbClr val="111111"/>
-                </a:solidFill>
-                <a:effectLst/>
-                <a:latin typeface="Roboto" panose="02000000000000000000" pitchFamily="2" charset="0"/>
-                <a:ea typeface="Times New Roman" panose="02020603050405020304" pitchFamily="18" charset="0"/>
-                <a:cs typeface="B Mitra" panose="00000400000000000000" pitchFamily="2" charset="-78"/>
-              </a:rPr>
-              <a:t>“</a:t>
-            </a:r>
-            <a:r>
-              <a:rPr lang="ar-SA" dirty="0">
-                <a:solidFill>
-                  <a:srgbClr val="111111"/>
-                </a:solidFill>
-                <a:effectLst/>
-                <a:latin typeface="Roboto" panose="02000000000000000000" pitchFamily="2" charset="0"/>
-                <a:ea typeface="Times New Roman" panose="02020603050405020304" pitchFamily="18" charset="0"/>
-                <a:cs typeface="B Mitra" panose="00000400000000000000" pitchFamily="2" charset="-78"/>
-              </a:rPr>
-              <a:t>بالا</a:t>
-            </a:r>
-            <a:r>
-              <a:rPr lang="en-US" dirty="0">
-                <a:solidFill>
-                  <a:srgbClr val="111111"/>
-                </a:solidFill>
-                <a:effectLst/>
-                <a:latin typeface="Roboto" panose="02000000000000000000" pitchFamily="2" charset="0"/>
-                <a:ea typeface="Times New Roman" panose="02020603050405020304" pitchFamily="18" charset="0"/>
-                <a:cs typeface="B Mitra" panose="00000400000000000000" pitchFamily="2" charset="-78"/>
-              </a:rPr>
-              <a:t>”:</a:t>
-            </a:r>
-            <a:endParaRPr lang="en-US" dirty="0">
-              <a:solidFill>
-                <a:srgbClr val="111111"/>
-              </a:solidFill>
-              <a:effectLst/>
-              <a:latin typeface="Calibri" panose="020F0502020204030204" pitchFamily="34" charset="0"/>
-              <a:ea typeface="Calibri" panose="020F0502020204030204" pitchFamily="34" charset="0"/>
-              <a:cs typeface="B Mitra" panose="00000400000000000000" pitchFamily="2" charset="-78"/>
-            </a:endParaRPr>
-          </a:p>
-          <a:p>
-            <a:pPr marL="742950" marR="0" lvl="1" indent="-285750" algn="r" rtl="1">
-              <a:lnSpc>
-                <a:spcPct val="107000"/>
-              </a:lnSpc>
-              <a:spcBef>
-                <a:spcPts val="0"/>
-              </a:spcBef>
-              <a:spcAft>
-                <a:spcPts val="800"/>
-              </a:spcAft>
-              <a:buSzPts val="1000"/>
-              <a:buFont typeface="Courier New" panose="02070309020205020404" pitchFamily="49" charset="0"/>
-              <a:buChar char="o"/>
-              <a:tabLst>
-                <a:tab pos="914400" algn="l"/>
-              </a:tabLst>
-            </a:pPr>
-            <a:r>
-              <a:rPr lang="en-US" sz="2000" dirty="0">
-                <a:solidFill>
-                  <a:srgbClr val="111111"/>
-                </a:solidFill>
-                <a:effectLst/>
-                <a:latin typeface="Roboto" panose="02000000000000000000" pitchFamily="2" charset="0"/>
-                <a:ea typeface="Times New Roman" panose="02020603050405020304" pitchFamily="18" charset="0"/>
-                <a:cs typeface="B Mitra" panose="00000400000000000000" pitchFamily="2" charset="-78"/>
-              </a:rPr>
-              <a:t>y=1 </a:t>
-            </a:r>
-            <a:r>
-              <a:rPr lang="ar-SA" sz="2000" dirty="0">
-                <a:solidFill>
-                  <a:srgbClr val="111111"/>
-                </a:solidFill>
-                <a:effectLst/>
-                <a:latin typeface="Roboto" panose="02000000000000000000" pitchFamily="2" charset="0"/>
-                <a:ea typeface="Times New Roman" panose="02020603050405020304" pitchFamily="18" charset="0"/>
-                <a:cs typeface="B Mitra" panose="00000400000000000000" pitchFamily="2" charset="-78"/>
-              </a:rPr>
-              <a:t>برای 5</a:t>
-            </a:r>
-            <a:r>
-              <a:rPr lang="en-US" sz="2000" dirty="0">
-                <a:solidFill>
-                  <a:srgbClr val="111111"/>
-                </a:solidFill>
-                <a:effectLst/>
-                <a:latin typeface="Roboto" panose="02000000000000000000" pitchFamily="2" charset="0"/>
-                <a:ea typeface="Times New Roman" panose="02020603050405020304" pitchFamily="18" charset="0"/>
-                <a:cs typeface="B Mitra" panose="00000400000000000000" pitchFamily="2" charset="-78"/>
-              </a:rPr>
-              <a:t> m/s2 ≤x≤10 m/s2</a:t>
-            </a:r>
-            <a:endParaRPr lang="en-US" sz="2000" dirty="0">
-              <a:solidFill>
-                <a:srgbClr val="111111"/>
-              </a:solidFill>
-              <a:effectLst/>
-              <a:latin typeface="Calibri" panose="020F0502020204030204" pitchFamily="34" charset="0"/>
-              <a:ea typeface="Calibri" panose="020F0502020204030204" pitchFamily="34" charset="0"/>
-              <a:cs typeface="B Mitra" panose="00000400000000000000" pitchFamily="2" charset="-78"/>
-            </a:endParaRPr>
-          </a:p>
-          <a:p>
-            <a:pPr marL="742950" marR="0" lvl="1" indent="-285750" algn="r" rtl="1">
-              <a:lnSpc>
-                <a:spcPct val="107000"/>
-              </a:lnSpc>
-              <a:spcBef>
-                <a:spcPts val="0"/>
-              </a:spcBef>
-              <a:spcAft>
-                <a:spcPts val="800"/>
-              </a:spcAft>
-              <a:buSzPts val="1000"/>
-              <a:buFont typeface="Courier New" panose="02070309020205020404" pitchFamily="49" charset="0"/>
-              <a:buChar char="o"/>
-              <a:tabLst>
-                <a:tab pos="914400" algn="l"/>
-              </a:tabLst>
-            </a:pPr>
-            <a:r>
-              <a:rPr lang="en-US" sz="2000" dirty="0">
-                <a:solidFill>
-                  <a:srgbClr val="111111"/>
-                </a:solidFill>
-                <a:effectLst/>
-                <a:latin typeface="Roboto" panose="02000000000000000000" pitchFamily="2" charset="0"/>
-                <a:ea typeface="Times New Roman" panose="02020603050405020304" pitchFamily="18" charset="0"/>
-                <a:cs typeface="B Mitra" panose="00000400000000000000" pitchFamily="2" charset="-78"/>
-              </a:rPr>
-              <a:t>y=x-4 </a:t>
-            </a:r>
-            <a:r>
-              <a:rPr lang="ar-SA" sz="2000" dirty="0">
-                <a:solidFill>
-                  <a:srgbClr val="111111"/>
-                </a:solidFill>
-                <a:effectLst/>
-                <a:latin typeface="Roboto" panose="02000000000000000000" pitchFamily="2" charset="0"/>
-                <a:ea typeface="Times New Roman" panose="02020603050405020304" pitchFamily="18" charset="0"/>
-                <a:cs typeface="B Mitra" panose="00000400000000000000" pitchFamily="2" charset="-78"/>
-              </a:rPr>
-              <a:t>برای 4</a:t>
-            </a:r>
-            <a:r>
-              <a:rPr lang="en-US" sz="2000" dirty="0">
-                <a:solidFill>
-                  <a:srgbClr val="111111"/>
-                </a:solidFill>
-                <a:effectLst/>
-                <a:latin typeface="Roboto" panose="02000000000000000000" pitchFamily="2" charset="0"/>
-                <a:ea typeface="Times New Roman" panose="02020603050405020304" pitchFamily="18" charset="0"/>
-                <a:cs typeface="B Mitra" panose="00000400000000000000" pitchFamily="2" charset="-78"/>
-              </a:rPr>
-              <a:t> m/s2 ≤x≤5 m/s2</a:t>
-            </a:r>
-            <a:endParaRPr lang="en-US" sz="2000" dirty="0">
-              <a:solidFill>
-                <a:srgbClr val="111111"/>
-              </a:solidFill>
-              <a:effectLst/>
-              <a:latin typeface="Calibri" panose="020F0502020204030204" pitchFamily="34" charset="0"/>
-              <a:ea typeface="Calibri" panose="020F0502020204030204" pitchFamily="34" charset="0"/>
-              <a:cs typeface="B Mitra" panose="00000400000000000000" pitchFamily="2" charset="-78"/>
-            </a:endParaRPr>
-          </a:p>
-          <a:p>
-            <a:pPr algn="r" rtl="1"/>
-            <a:endParaRPr lang="en-US" dirty="0">
               <a:cs typeface="B Mitra" panose="00000400000000000000" pitchFamily="2" charset="-78"/>
             </a:endParaRPr>
           </a:p>
@@ -7917,7 +8086,7 @@
     </p:spTree>
     <p:extLst>
       <p:ext uri="{BB962C8B-B14F-4D97-AF65-F5344CB8AC3E}">
-        <p14:creationId xmlns:p14="http://schemas.microsoft.com/office/powerpoint/2010/main" val="4253267792"/>
+        <p14:creationId xmlns:p14="http://schemas.microsoft.com/office/powerpoint/2010/main" val="1677886642"/>
       </p:ext>
     </p:extLst>
   </p:cSld>
@@ -7946,10 +8115,10 @@
       </p:grpSpPr>
       <p:sp>
         <p:nvSpPr>
-          <p:cNvPr id="2" name="Title 1">
+          <p:cNvPr id="3" name="Content Placeholder 2">
             <a:extLst>
               <a:ext uri="{FF2B5EF4-FFF2-40B4-BE49-F238E27FC236}">
-                <a16:creationId xmlns:a16="http://schemas.microsoft.com/office/drawing/2014/main" id="{B369EFD2-EC22-ECCC-C016-F841086F774C}"/>
+                <a16:creationId xmlns:a16="http://schemas.microsoft.com/office/drawing/2014/main" id="{CFFFABA3-208A-4E41-2C89-D584800BB776}"/>
               </a:ext>
             </a:extLst>
           </p:cNvPr>
@@ -7957,38 +8126,18 @@
             <a:spLocks noGrp="1"/>
           </p:cNvSpPr>
           <p:nvPr>
-            <p:ph type="title"/>
-          </p:nvPr>
-        </p:nvSpPr>
-        <p:spPr/>
-        <p:txBody>
-          <a:bodyPr/>
-          <a:lstStyle/>
-          <a:p>
-            <a:endParaRPr lang="en-US"/>
-          </a:p>
-        </p:txBody>
-      </p:sp>
-      <p:sp>
-        <p:nvSpPr>
-          <p:cNvPr id="3" name="Content Placeholder 2">
-            <a:extLst>
-              <a:ext uri="{FF2B5EF4-FFF2-40B4-BE49-F238E27FC236}">
-                <a16:creationId xmlns:a16="http://schemas.microsoft.com/office/drawing/2014/main" id="{FEDF9A26-340F-56F0-42A5-74FD85F95E02}"/>
-              </a:ext>
-            </a:extLst>
-          </p:cNvPr>
-          <p:cNvSpPr>
-            <a:spLocks noGrp="1"/>
-          </p:cNvSpPr>
-          <p:nvPr>
             <p:ph idx="1"/>
           </p:nvPr>
         </p:nvSpPr>
-        <p:spPr/>
+        <p:spPr>
+          <a:xfrm>
+            <a:off x="693176" y="206188"/>
+            <a:ext cx="8534400" cy="6111939"/>
+          </a:xfrm>
+        </p:spPr>
         <p:txBody>
           <a:bodyPr>
-            <a:normAutofit/>
+            <a:noAutofit/>
           </a:bodyPr>
           <a:lstStyle/>
           <a:p>
@@ -7996,19 +8145,19 @@
             <a:r>
               <a:rPr lang="ar-SA" dirty="0">
                 <a:solidFill>
-                  <a:schemeClr val="bg1"/>
+                  <a:srgbClr val="111111"/>
                 </a:solidFill>
                 <a:effectLst/>
                 <a:latin typeface="Roboto" panose="02000000000000000000" pitchFamily="2" charset="0"/>
                 <a:ea typeface="Times New Roman" panose="02020603050405020304" pitchFamily="18" charset="0"/>
                 <a:cs typeface="B Mitra" panose="00000400000000000000" pitchFamily="2" charset="-78"/>
               </a:rPr>
-              <a:t>برای شفت افزایش یافته، دو حالت “کم” و “بالا” با محدوده‌های متفاوتی تعریف شده‌اند</a:t>
+              <a:t>توابع عضویت مقادیر شتاب ارتعاش در فرکانس چرخش محور اصلی و شفت افزایش یافته به صورت فرمول‌های ریاضی ارائه شده‌اند. برای محور اصلی، سه حالت “کم”، “متوسط” و “بالا” با محدوده‌های مختلف شتاب ارتعاش تعریف شده‌اند</a:t>
             </a:r>
             <a:r>
               <a:rPr lang="en-US" dirty="0">
                 <a:solidFill>
-                  <a:schemeClr val="bg1"/>
+                  <a:srgbClr val="111111"/>
                 </a:solidFill>
                 <a:effectLst/>
                 <a:latin typeface="Roboto" panose="02000000000000000000" pitchFamily="2" charset="0"/>
@@ -8018,9 +8167,6 @@
               <a:t>:</a:t>
             </a:r>
             <a:endParaRPr lang="en-US" dirty="0">
-              <a:solidFill>
-                <a:schemeClr val="bg1"/>
-              </a:solidFill>
               <a:effectLst/>
               <a:latin typeface="Calibri" panose="020F0502020204030204" pitchFamily="34" charset="0"/>
               <a:ea typeface="Calibri" panose="020F0502020204030204" pitchFamily="34" charset="0"/>
@@ -8048,7 +8194,7 @@
             <a:r>
               <a:rPr lang="ar-SA" dirty="0">
                 <a:solidFill>
-                  <a:schemeClr val="bg1"/>
+                  <a:srgbClr val="111111"/>
                 </a:solidFill>
                 <a:effectLst/>
                 <a:latin typeface="Roboto" panose="02000000000000000000" pitchFamily="2" charset="0"/>
@@ -8060,7 +8206,7 @@
             <a:r>
               <a:rPr lang="en-US" dirty="0">
                 <a:solidFill>
-                  <a:schemeClr val="bg1"/>
+                  <a:srgbClr val="111111"/>
                 </a:solidFill>
                 <a:effectLst/>
                 <a:latin typeface="Roboto" panose="02000000000000000000" pitchFamily="2" charset="0"/>
@@ -8071,7 +8217,7 @@
             </a:r>
             <a:endParaRPr lang="en-US" dirty="0">
               <a:solidFill>
-                <a:schemeClr val="bg1"/>
+                <a:srgbClr val="111111"/>
               </a:solidFill>
               <a:effectLst/>
               <a:latin typeface="Calibri" panose="020F0502020204030204" pitchFamily="34" charset="0"/>
@@ -8100,7 +8246,7 @@
             <a:r>
               <a:rPr lang="en-US" sz="2000" dirty="0">
                 <a:solidFill>
-                  <a:schemeClr val="bg1"/>
+                  <a:srgbClr val="111111"/>
                 </a:solidFill>
                 <a:effectLst/>
                 <a:latin typeface="Roboto" panose="02000000000000000000" pitchFamily="2" charset="0"/>
@@ -8112,7 +8258,7 @@
             <a:r>
               <a:rPr lang="ar-SA" sz="2000" dirty="0">
                 <a:solidFill>
-                  <a:schemeClr val="bg1"/>
+                  <a:srgbClr val="111111"/>
                 </a:solidFill>
                 <a:effectLst/>
                 <a:latin typeface="Roboto" panose="02000000000000000000" pitchFamily="2" charset="0"/>
@@ -8124,18 +8270,18 @@
             <a:r>
               <a:rPr lang="en-US" sz="2000" dirty="0">
                 <a:solidFill>
-                  <a:schemeClr val="bg1"/>
+                  <a:srgbClr val="111111"/>
                 </a:solidFill>
                 <a:effectLst/>
                 <a:latin typeface="Roboto" panose="02000000000000000000" pitchFamily="2" charset="0"/>
                 <a:ea typeface="Times New Roman" panose="02020603050405020304" pitchFamily="18" charset="0"/>
                 <a:cs typeface="B Mitra" panose="00000400000000000000" pitchFamily="2" charset="-78"/>
               </a:rPr>
-              <a:t> m/s2 ≤x≤7 m/s2</a:t>
+              <a:t> m/s2 ≤x≤3 m/s2</a:t>
             </a:r>
             <a:endParaRPr lang="en-US" sz="2000" dirty="0">
               <a:solidFill>
-                <a:schemeClr val="bg1"/>
+                <a:srgbClr val="111111"/>
               </a:solidFill>
               <a:effectLst/>
               <a:latin typeface="Calibri" panose="020F0502020204030204" pitchFamily="34" charset="0"/>
@@ -8164,42 +8310,42 @@
             <a:r>
               <a:rPr lang="en-US" sz="2000" dirty="0">
                 <a:solidFill>
-                  <a:schemeClr val="bg1"/>
+                  <a:srgbClr val="111111"/>
                 </a:solidFill>
                 <a:effectLst/>
                 <a:latin typeface="Roboto" panose="02000000000000000000" pitchFamily="2" charset="0"/>
                 <a:ea typeface="Times New Roman" panose="02020603050405020304" pitchFamily="18" charset="0"/>
                 <a:cs typeface="B Mitra" panose="00000400000000000000" pitchFamily="2" charset="-78"/>
               </a:rPr>
-              <a:t>y=8-x </a:t>
+              <a:t>y=4-x </a:t>
             </a:r>
             <a:r>
               <a:rPr lang="ar-SA" sz="2000" dirty="0">
                 <a:solidFill>
-                  <a:schemeClr val="bg1"/>
+                  <a:srgbClr val="111111"/>
                 </a:solidFill>
                 <a:effectLst/>
                 <a:latin typeface="Roboto" panose="02000000000000000000" pitchFamily="2" charset="0"/>
                 <a:ea typeface="Times New Roman" panose="02020603050405020304" pitchFamily="18" charset="0"/>
                 <a:cs typeface="B Mitra" panose="00000400000000000000" pitchFamily="2" charset="-78"/>
               </a:rPr>
-              <a:t>برای 7</a:t>
+              <a:t>برای 3</a:t>
             </a:r>
             <a:r>
               <a:rPr lang="en-US" sz="2000" dirty="0">
                 <a:solidFill>
-                  <a:schemeClr val="bg1"/>
+                  <a:srgbClr val="111111"/>
                 </a:solidFill>
                 <a:effectLst/>
                 <a:latin typeface="Roboto" panose="02000000000000000000" pitchFamily="2" charset="0"/>
                 <a:ea typeface="Times New Roman" panose="02020603050405020304" pitchFamily="18" charset="0"/>
                 <a:cs typeface="B Mitra" panose="00000400000000000000" pitchFamily="2" charset="-78"/>
               </a:rPr>
-              <a:t> m/s2 ≤x≤8 m/s2</a:t>
+              <a:t> m/s2 ≤x≤4 m/s2</a:t>
             </a:r>
             <a:endParaRPr lang="en-US" sz="2000" dirty="0">
               <a:solidFill>
-                <a:schemeClr val="bg1"/>
+                <a:srgbClr val="111111"/>
               </a:solidFill>
               <a:effectLst/>
               <a:latin typeface="Calibri" panose="020F0502020204030204" pitchFamily="34" charset="0"/>
@@ -8228,7 +8374,7 @@
             <a:r>
               <a:rPr lang="en-US" dirty="0">
                 <a:solidFill>
-                  <a:schemeClr val="bg1"/>
+                  <a:srgbClr val="111111"/>
                 </a:solidFill>
                 <a:effectLst/>
                 <a:latin typeface="Roboto" panose="02000000000000000000" pitchFamily="2" charset="0"/>
@@ -8240,19 +8386,19 @@
             <a:r>
               <a:rPr lang="ar-SA" dirty="0">
                 <a:solidFill>
-                  <a:schemeClr val="bg1"/>
+                  <a:srgbClr val="111111"/>
                 </a:solidFill>
                 <a:effectLst/>
                 <a:latin typeface="Roboto" panose="02000000000000000000" pitchFamily="2" charset="0"/>
                 <a:ea typeface="Times New Roman" panose="02020603050405020304" pitchFamily="18" charset="0"/>
                 <a:cs typeface="B Mitra" panose="00000400000000000000" pitchFamily="2" charset="-78"/>
               </a:rPr>
-              <a:t>بالا</a:t>
+              <a:t>متوسط</a:t>
             </a:r>
             <a:r>
               <a:rPr lang="en-US" dirty="0">
                 <a:solidFill>
-                  <a:schemeClr val="bg1"/>
+                  <a:srgbClr val="111111"/>
                 </a:solidFill>
                 <a:effectLst/>
                 <a:latin typeface="Roboto" panose="02000000000000000000" pitchFamily="2" charset="0"/>
@@ -8263,7 +8409,7 @@
             </a:r>
             <a:endParaRPr lang="en-US" dirty="0">
               <a:solidFill>
-                <a:schemeClr val="bg1"/>
+                <a:srgbClr val="111111"/>
               </a:solidFill>
               <a:effectLst/>
               <a:latin typeface="Calibri" panose="020F0502020204030204" pitchFamily="34" charset="0"/>
@@ -8292,42 +8438,42 @@
             <a:r>
               <a:rPr lang="en-US" sz="2000" dirty="0">
                 <a:solidFill>
-                  <a:schemeClr val="bg1"/>
+                  <a:srgbClr val="111111"/>
                 </a:solidFill>
                 <a:effectLst/>
                 <a:latin typeface="Roboto" panose="02000000000000000000" pitchFamily="2" charset="0"/>
                 <a:ea typeface="Times New Roman" panose="02020603050405020304" pitchFamily="18" charset="0"/>
                 <a:cs typeface="B Mitra" panose="00000400000000000000" pitchFamily="2" charset="-78"/>
               </a:rPr>
-              <a:t>y=1 </a:t>
+              <a:t>y=x-3 </a:t>
             </a:r>
             <a:r>
               <a:rPr lang="ar-SA" sz="2000" dirty="0">
                 <a:solidFill>
-                  <a:schemeClr val="bg1"/>
+                  <a:srgbClr val="111111"/>
                 </a:solidFill>
                 <a:effectLst/>
                 <a:latin typeface="Roboto" panose="02000000000000000000" pitchFamily="2" charset="0"/>
                 <a:ea typeface="Times New Roman" panose="02020603050405020304" pitchFamily="18" charset="0"/>
                 <a:cs typeface="B Mitra" panose="00000400000000000000" pitchFamily="2" charset="-78"/>
               </a:rPr>
-              <a:t>برای 8</a:t>
+              <a:t>برای 3</a:t>
             </a:r>
             <a:r>
               <a:rPr lang="en-US" sz="2000" dirty="0">
                 <a:solidFill>
-                  <a:schemeClr val="bg1"/>
+                  <a:srgbClr val="111111"/>
                 </a:solidFill>
                 <a:effectLst/>
                 <a:latin typeface="Roboto" panose="02000000000000000000" pitchFamily="2" charset="0"/>
                 <a:ea typeface="Times New Roman" panose="02020603050405020304" pitchFamily="18" charset="0"/>
                 <a:cs typeface="B Mitra" panose="00000400000000000000" pitchFamily="2" charset="-78"/>
               </a:rPr>
-              <a:t> m/s2 ≤x≤15 m/s2</a:t>
+              <a:t> m/s2 ≤x≤4 m/s2</a:t>
             </a:r>
             <a:endParaRPr lang="en-US" sz="2000" dirty="0">
               <a:solidFill>
-                <a:schemeClr val="bg1"/>
+                <a:srgbClr val="111111"/>
               </a:solidFill>
               <a:effectLst/>
               <a:latin typeface="Calibri" panose="020F0502020204030204" pitchFamily="34" charset="0"/>
@@ -8356,42 +8502,42 @@
             <a:r>
               <a:rPr lang="en-US" sz="2000" dirty="0">
                 <a:solidFill>
-                  <a:schemeClr val="bg1"/>
+                  <a:srgbClr val="111111"/>
                 </a:solidFill>
                 <a:effectLst/>
                 <a:latin typeface="Roboto" panose="02000000000000000000" pitchFamily="2" charset="0"/>
                 <a:ea typeface="Times New Roman" panose="02020603050405020304" pitchFamily="18" charset="0"/>
                 <a:cs typeface="B Mitra" panose="00000400000000000000" pitchFamily="2" charset="-78"/>
               </a:rPr>
-              <a:t>y=x-7 </a:t>
+              <a:t>y=5-x </a:t>
             </a:r>
             <a:r>
               <a:rPr lang="ar-SA" sz="2000" dirty="0">
                 <a:solidFill>
-                  <a:schemeClr val="bg1"/>
+                  <a:srgbClr val="111111"/>
                 </a:solidFill>
                 <a:effectLst/>
                 <a:latin typeface="Roboto" panose="02000000000000000000" pitchFamily="2" charset="0"/>
                 <a:ea typeface="Times New Roman" panose="02020603050405020304" pitchFamily="18" charset="0"/>
                 <a:cs typeface="B Mitra" panose="00000400000000000000" pitchFamily="2" charset="-78"/>
               </a:rPr>
-              <a:t>برای 7</a:t>
+              <a:t>برای 4</a:t>
             </a:r>
             <a:r>
               <a:rPr lang="en-US" sz="2000" dirty="0">
                 <a:solidFill>
-                  <a:schemeClr val="bg1"/>
+                  <a:srgbClr val="111111"/>
                 </a:solidFill>
                 <a:effectLst/>
                 <a:latin typeface="Roboto" panose="02000000000000000000" pitchFamily="2" charset="0"/>
                 <a:ea typeface="Times New Roman" panose="02020603050405020304" pitchFamily="18" charset="0"/>
                 <a:cs typeface="B Mitra" panose="00000400000000000000" pitchFamily="2" charset="-78"/>
               </a:rPr>
-              <a:t> m/s2 ≤x≤8 m/s2</a:t>
+              <a:t> m/s2 ≤x≤5 m/s2</a:t>
             </a:r>
             <a:endParaRPr lang="en-US" sz="2000" dirty="0">
               <a:solidFill>
-                <a:schemeClr val="bg1"/>
+                <a:srgbClr val="111111"/>
               </a:solidFill>
               <a:effectLst/>
               <a:latin typeface="Calibri" panose="020F0502020204030204" pitchFamily="34" charset="0"/>
@@ -8400,11 +8546,200 @@
             </a:endParaRPr>
           </a:p>
           <a:p>
+            <a:pPr marL="342900" marR="0" lvl="0" indent="-342900" algn="r" rtl="1">
+              <a:lnSpc>
+                <a:spcPct val="107000"/>
+              </a:lnSpc>
+              <a:spcBef>
+                <a:spcPts val="0"/>
+              </a:spcBef>
+              <a:spcAft>
+                <a:spcPts val="800"/>
+              </a:spcAft>
+              <a:buSzPts val="1000"/>
+              <a:buFont typeface="Symbol" panose="05050102010706020507" pitchFamily="18" charset="2"/>
+              <a:buChar char=""/>
+              <a:tabLst>
+                <a:tab pos="457200" algn="l"/>
+              </a:tabLst>
+            </a:pPr>
+            <a:r>
+              <a:rPr lang="en-US" dirty="0">
+                <a:solidFill>
+                  <a:srgbClr val="111111"/>
+                </a:solidFill>
+                <a:effectLst/>
+                <a:latin typeface="Roboto" panose="02000000000000000000" pitchFamily="2" charset="0"/>
+                <a:ea typeface="Times New Roman" panose="02020603050405020304" pitchFamily="18" charset="0"/>
+                <a:cs typeface="B Mitra" panose="00000400000000000000" pitchFamily="2" charset="-78"/>
+              </a:rPr>
+              <a:t>“</a:t>
+            </a:r>
+            <a:r>
+              <a:rPr lang="ar-SA" dirty="0">
+                <a:solidFill>
+                  <a:srgbClr val="111111"/>
+                </a:solidFill>
+                <a:effectLst/>
+                <a:latin typeface="Roboto" panose="02000000000000000000" pitchFamily="2" charset="0"/>
+                <a:ea typeface="Times New Roman" panose="02020603050405020304" pitchFamily="18" charset="0"/>
+                <a:cs typeface="B Mitra" panose="00000400000000000000" pitchFamily="2" charset="-78"/>
+              </a:rPr>
+              <a:t>بالا</a:t>
+            </a:r>
+            <a:r>
+              <a:rPr lang="en-US" dirty="0">
+                <a:solidFill>
+                  <a:srgbClr val="111111"/>
+                </a:solidFill>
+                <a:effectLst/>
+                <a:latin typeface="Roboto" panose="02000000000000000000" pitchFamily="2" charset="0"/>
+                <a:ea typeface="Times New Roman" panose="02020603050405020304" pitchFamily="18" charset="0"/>
+                <a:cs typeface="B Mitra" panose="00000400000000000000" pitchFamily="2" charset="-78"/>
+              </a:rPr>
+              <a:t>”:</a:t>
+            </a:r>
+            <a:endParaRPr lang="en-US" dirty="0">
+              <a:solidFill>
+                <a:srgbClr val="111111"/>
+              </a:solidFill>
+              <a:effectLst/>
+              <a:latin typeface="Calibri" panose="020F0502020204030204" pitchFamily="34" charset="0"/>
+              <a:ea typeface="Calibri" panose="020F0502020204030204" pitchFamily="34" charset="0"/>
+              <a:cs typeface="B Mitra" panose="00000400000000000000" pitchFamily="2" charset="-78"/>
+            </a:endParaRPr>
+          </a:p>
+          <a:p>
+            <a:pPr marL="742950" marR="0" lvl="1" indent="-285750" algn="r" rtl="1">
+              <a:lnSpc>
+                <a:spcPct val="107000"/>
+              </a:lnSpc>
+              <a:spcBef>
+                <a:spcPts val="0"/>
+              </a:spcBef>
+              <a:spcAft>
+                <a:spcPts val="800"/>
+              </a:spcAft>
+              <a:buSzPts val="1000"/>
+              <a:buFont typeface="Courier New" panose="02070309020205020404" pitchFamily="49" charset="0"/>
+              <a:buChar char="o"/>
+              <a:tabLst>
+                <a:tab pos="914400" algn="l"/>
+              </a:tabLst>
+            </a:pPr>
+            <a:r>
+              <a:rPr lang="en-US" sz="2000" dirty="0">
+                <a:solidFill>
+                  <a:srgbClr val="111111"/>
+                </a:solidFill>
+                <a:effectLst/>
+                <a:latin typeface="Roboto" panose="02000000000000000000" pitchFamily="2" charset="0"/>
+                <a:ea typeface="Times New Roman" panose="02020603050405020304" pitchFamily="18" charset="0"/>
+                <a:cs typeface="B Mitra" panose="00000400000000000000" pitchFamily="2" charset="-78"/>
+              </a:rPr>
+              <a:t>y=1 </a:t>
+            </a:r>
+            <a:r>
+              <a:rPr lang="ar-SA" sz="2000" dirty="0">
+                <a:solidFill>
+                  <a:srgbClr val="111111"/>
+                </a:solidFill>
+                <a:effectLst/>
+                <a:latin typeface="Roboto" panose="02000000000000000000" pitchFamily="2" charset="0"/>
+                <a:ea typeface="Times New Roman" panose="02020603050405020304" pitchFamily="18" charset="0"/>
+                <a:cs typeface="B Mitra" panose="00000400000000000000" pitchFamily="2" charset="-78"/>
+              </a:rPr>
+              <a:t>برای 5</a:t>
+            </a:r>
+            <a:r>
+              <a:rPr lang="en-US" sz="2000" dirty="0">
+                <a:solidFill>
+                  <a:srgbClr val="111111"/>
+                </a:solidFill>
+                <a:effectLst/>
+                <a:latin typeface="Roboto" panose="02000000000000000000" pitchFamily="2" charset="0"/>
+                <a:ea typeface="Times New Roman" panose="02020603050405020304" pitchFamily="18" charset="0"/>
+                <a:cs typeface="B Mitra" panose="00000400000000000000" pitchFamily="2" charset="-78"/>
+              </a:rPr>
+              <a:t> m/s2 ≤x≤10 m/s2</a:t>
+            </a:r>
+            <a:endParaRPr lang="en-US" sz="2000" dirty="0">
+              <a:solidFill>
+                <a:srgbClr val="111111"/>
+              </a:solidFill>
+              <a:effectLst/>
+              <a:latin typeface="Calibri" panose="020F0502020204030204" pitchFamily="34" charset="0"/>
+              <a:ea typeface="Calibri" panose="020F0502020204030204" pitchFamily="34" charset="0"/>
+              <a:cs typeface="B Mitra" panose="00000400000000000000" pitchFamily="2" charset="-78"/>
+            </a:endParaRPr>
+          </a:p>
+          <a:p>
+            <a:pPr marL="742950" marR="0" lvl="1" indent="-285750" algn="r" rtl="1">
+              <a:lnSpc>
+                <a:spcPct val="107000"/>
+              </a:lnSpc>
+              <a:spcBef>
+                <a:spcPts val="0"/>
+              </a:spcBef>
+              <a:spcAft>
+                <a:spcPts val="800"/>
+              </a:spcAft>
+              <a:buSzPts val="1000"/>
+              <a:buFont typeface="Courier New" panose="02070309020205020404" pitchFamily="49" charset="0"/>
+              <a:buChar char="o"/>
+              <a:tabLst>
+                <a:tab pos="914400" algn="l"/>
+              </a:tabLst>
+            </a:pPr>
+            <a:r>
+              <a:rPr lang="en-US" sz="2000" dirty="0">
+                <a:solidFill>
+                  <a:srgbClr val="111111"/>
+                </a:solidFill>
+                <a:effectLst/>
+                <a:latin typeface="Roboto" panose="02000000000000000000" pitchFamily="2" charset="0"/>
+                <a:ea typeface="Times New Roman" panose="02020603050405020304" pitchFamily="18" charset="0"/>
+                <a:cs typeface="B Mitra" panose="00000400000000000000" pitchFamily="2" charset="-78"/>
+              </a:rPr>
+              <a:t>y=x-4 </a:t>
+            </a:r>
+            <a:r>
+              <a:rPr lang="ar-SA" sz="2000" dirty="0">
+                <a:solidFill>
+                  <a:srgbClr val="111111"/>
+                </a:solidFill>
+                <a:effectLst/>
+                <a:latin typeface="Roboto" panose="02000000000000000000" pitchFamily="2" charset="0"/>
+                <a:ea typeface="Times New Roman" panose="02020603050405020304" pitchFamily="18" charset="0"/>
+                <a:cs typeface="B Mitra" panose="00000400000000000000" pitchFamily="2" charset="-78"/>
+              </a:rPr>
+              <a:t>برای 4</a:t>
+            </a:r>
+            <a:r>
+              <a:rPr lang="en-US" sz="2000" dirty="0">
+                <a:solidFill>
+                  <a:srgbClr val="111111"/>
+                </a:solidFill>
+                <a:effectLst/>
+                <a:latin typeface="Roboto" panose="02000000000000000000" pitchFamily="2" charset="0"/>
+                <a:ea typeface="Times New Roman" panose="02020603050405020304" pitchFamily="18" charset="0"/>
+                <a:cs typeface="B Mitra" panose="00000400000000000000" pitchFamily="2" charset="-78"/>
+              </a:rPr>
+              <a:t> m/s2 ≤x≤5 m/s2</a:t>
+            </a:r>
+            <a:endParaRPr lang="en-US" sz="2000" dirty="0">
+              <a:solidFill>
+                <a:srgbClr val="111111"/>
+              </a:solidFill>
+              <a:effectLst/>
+              <a:latin typeface="Calibri" panose="020F0502020204030204" pitchFamily="34" charset="0"/>
+              <a:ea typeface="Calibri" panose="020F0502020204030204" pitchFamily="34" charset="0"/>
+              <a:cs typeface="B Mitra" panose="00000400000000000000" pitchFamily="2" charset="-78"/>
+            </a:endParaRPr>
+          </a:p>
+          <a:p>
             <a:pPr algn="r" rtl="1"/>
             <a:endParaRPr lang="en-US" dirty="0">
-              <a:solidFill>
-                <a:schemeClr val="bg1"/>
-              </a:solidFill>
               <a:cs typeface="B Mitra" panose="00000400000000000000" pitchFamily="2" charset="-78"/>
             </a:endParaRPr>
           </a:p>
@@ -8413,7 +8748,7 @@
     </p:spTree>
     <p:extLst>
       <p:ext uri="{BB962C8B-B14F-4D97-AF65-F5344CB8AC3E}">
-        <p14:creationId xmlns:p14="http://schemas.microsoft.com/office/powerpoint/2010/main" val="832642736"/>
+        <p14:creationId xmlns:p14="http://schemas.microsoft.com/office/powerpoint/2010/main" val="4253267792"/>
       </p:ext>
     </p:extLst>
   </p:cSld>
